--- a/Engineering/Презентацияя.pptx
+++ b/Engineering/Презентацияя.pptx
@@ -5,7 +5,7 @@
     <p:sldMasterId id="2147483648" r:id="rId1"/>
   </p:sldMasterIdLst>
   <p:notesMasterIdLst>
-    <p:notesMasterId r:id="rId30"/>
+    <p:notesMasterId r:id="rId32"/>
   </p:notesMasterIdLst>
   <p:sldIdLst>
     <p:sldId id="256" r:id="rId2"/>
@@ -13,29 +13,31 @@
     <p:sldId id="261" r:id="rId4"/>
     <p:sldId id="268" r:id="rId5"/>
     <p:sldId id="267" r:id="rId6"/>
-    <p:sldId id="269" r:id="rId7"/>
-    <p:sldId id="271" r:id="rId8"/>
-    <p:sldId id="272" r:id="rId9"/>
-    <p:sldId id="277" r:id="rId10"/>
-    <p:sldId id="273" r:id="rId11"/>
-    <p:sldId id="290" r:id="rId12"/>
-    <p:sldId id="292" r:id="rId13"/>
-    <p:sldId id="291" r:id="rId14"/>
-    <p:sldId id="293" r:id="rId15"/>
-    <p:sldId id="294" r:id="rId16"/>
-    <p:sldId id="295" r:id="rId17"/>
-    <p:sldId id="296" r:id="rId18"/>
-    <p:sldId id="297" r:id="rId19"/>
-    <p:sldId id="298" r:id="rId20"/>
-    <p:sldId id="299" r:id="rId21"/>
-    <p:sldId id="300" r:id="rId22"/>
-    <p:sldId id="284" r:id="rId23"/>
-    <p:sldId id="285" r:id="rId24"/>
-    <p:sldId id="286" r:id="rId25"/>
-    <p:sldId id="287" r:id="rId26"/>
-    <p:sldId id="288" r:id="rId27"/>
-    <p:sldId id="289" r:id="rId28"/>
-    <p:sldId id="264" r:id="rId29"/>
+    <p:sldId id="301" r:id="rId7"/>
+    <p:sldId id="269" r:id="rId8"/>
+    <p:sldId id="271" r:id="rId9"/>
+    <p:sldId id="272" r:id="rId10"/>
+    <p:sldId id="277" r:id="rId11"/>
+    <p:sldId id="273" r:id="rId12"/>
+    <p:sldId id="290" r:id="rId13"/>
+    <p:sldId id="292" r:id="rId14"/>
+    <p:sldId id="291" r:id="rId15"/>
+    <p:sldId id="293" r:id="rId16"/>
+    <p:sldId id="294" r:id="rId17"/>
+    <p:sldId id="295" r:id="rId18"/>
+    <p:sldId id="296" r:id="rId19"/>
+    <p:sldId id="297" r:id="rId20"/>
+    <p:sldId id="298" r:id="rId21"/>
+    <p:sldId id="299" r:id="rId22"/>
+    <p:sldId id="300" r:id="rId23"/>
+    <p:sldId id="284" r:id="rId24"/>
+    <p:sldId id="285" r:id="rId25"/>
+    <p:sldId id="286" r:id="rId26"/>
+    <p:sldId id="287" r:id="rId27"/>
+    <p:sldId id="288" r:id="rId28"/>
+    <p:sldId id="289" r:id="rId29"/>
+    <p:sldId id="264" r:id="rId30"/>
+    <p:sldId id="302" r:id="rId31"/>
   </p:sldIdLst>
   <p:sldSz cx="9906000" cy="6858000" type="A4"/>
   <p:notesSz cx="6858000" cy="9144000"/>
@@ -307,7 +309,7 @@
               <a:pPr>
                 <a:defRPr/>
               </a:pPr>
-              <a:t>08.06.2022</a:t>
+              <a:t>13.06.2022</a:t>
             </a:fld>
             <a:endParaRPr lang="ru-RU"/>
           </a:p>
@@ -900,7 +902,7 @@
               <a:pPr>
                 <a:defRPr/>
               </a:pPr>
-              <a:t>08.06.2022</a:t>
+              <a:t>13.06.2022</a:t>
             </a:fld>
             <a:endParaRPr lang="ru-RU"/>
           </a:p>
@@ -1108,7 +1110,7 @@
               <a:pPr>
                 <a:defRPr/>
               </a:pPr>
-              <a:t>08.06.2022</a:t>
+              <a:t>13.06.2022</a:t>
             </a:fld>
             <a:endParaRPr lang="ru-RU"/>
           </a:p>
@@ -1326,7 +1328,7 @@
               <a:pPr>
                 <a:defRPr/>
               </a:pPr>
-              <a:t>08.06.2022</a:t>
+              <a:t>13.06.2022</a:t>
             </a:fld>
             <a:endParaRPr lang="ru-RU"/>
           </a:p>
@@ -1627,7 +1629,7 @@
               <a:pPr>
                 <a:defRPr/>
               </a:pPr>
-              <a:t>08.06.2022</a:t>
+              <a:t>13.06.2022</a:t>
             </a:fld>
             <a:endParaRPr lang="ru-RU"/>
           </a:p>
@@ -1916,7 +1918,7 @@
               <a:pPr>
                 <a:defRPr/>
               </a:pPr>
-              <a:t>08.06.2022</a:t>
+              <a:t>13.06.2022</a:t>
             </a:fld>
             <a:endParaRPr lang="ru-RU"/>
           </a:p>
@@ -2241,7 +2243,7 @@
               <a:pPr>
                 <a:defRPr/>
               </a:pPr>
-              <a:t>08.06.2022</a:t>
+              <a:t>13.06.2022</a:t>
             </a:fld>
             <a:endParaRPr lang="ru-RU"/>
           </a:p>
@@ -2700,7 +2702,7 @@
               <a:pPr>
                 <a:defRPr/>
               </a:pPr>
-              <a:t>08.06.2022</a:t>
+              <a:t>13.06.2022</a:t>
             </a:fld>
             <a:endParaRPr lang="ru-RU"/>
           </a:p>
@@ -2857,7 +2859,7 @@
               <a:pPr>
                 <a:defRPr/>
               </a:pPr>
-              <a:t>08.06.2022</a:t>
+              <a:t>13.06.2022</a:t>
             </a:fld>
             <a:endParaRPr lang="ru-RU"/>
           </a:p>
@@ -2992,7 +2994,7 @@
               <a:pPr>
                 <a:defRPr/>
               </a:pPr>
-              <a:t>08.06.2022</a:t>
+              <a:t>13.06.2022</a:t>
             </a:fld>
             <a:endParaRPr lang="ru-RU"/>
           </a:p>
@@ -3307,7 +3309,7 @@
               <a:pPr>
                 <a:defRPr/>
               </a:pPr>
-              <a:t>08.06.2022</a:t>
+              <a:t>13.06.2022</a:t>
             </a:fld>
             <a:endParaRPr lang="ru-RU"/>
           </a:p>
@@ -3602,7 +3604,7 @@
               <a:pPr>
                 <a:defRPr/>
               </a:pPr>
-              <a:t>08.06.2022</a:t>
+              <a:t>13.06.2022</a:t>
             </a:fld>
             <a:endParaRPr lang="ru-RU"/>
           </a:p>
@@ -3923,7 +3925,7 @@
               <a:pPr>
                 <a:defRPr/>
               </a:pPr>
-              <a:t>08.06.2022</a:t>
+              <a:t>13.06.2022</a:t>
             </a:fld>
             <a:endParaRPr lang="ru-RU"/>
           </a:p>
@@ -4479,6 +4481,353 @@
           <p:cNvPr id="2" name="Заголовок 1">
             <a:extLst>
               <a:ext uri="{FF2B5EF4-FFF2-40B4-BE49-F238E27FC236}">
+                <a16:creationId xmlns:a16="http://schemas.microsoft.com/office/drawing/2014/main" id="{C18E1BF8-1BBA-4854-82A4-AF52426148CA}"/>
+              </a:ext>
+            </a:extLst>
+          </p:cNvPr>
+          <p:cNvSpPr>
+            <a:spLocks noGrp="1"/>
+          </p:cNvSpPr>
+          <p:nvPr>
+            <p:ph type="title"/>
+          </p:nvPr>
+        </p:nvSpPr>
+        <p:spPr>
+          <a:xfrm>
+            <a:off x="495300" y="439738"/>
+            <a:ext cx="8915400" cy="560387"/>
+          </a:xfrm>
+        </p:spPr>
+        <p:txBody>
+          <a:bodyPr/>
+          <a:lstStyle/>
+          <a:p>
+            <a:pPr>
+              <a:defRPr/>
+            </a:pPr>
+            <a:r>
+              <a:rPr lang="ru-RU" dirty="0"/>
+              <a:t>Спроектированная БД</a:t>
+            </a:r>
+          </a:p>
+        </p:txBody>
+      </p:sp>
+      <p:sp>
+        <p:nvSpPr>
+          <p:cNvPr id="13317" name="TextBox 4">
+            <a:extLst>
+              <a:ext uri="{FF2B5EF4-FFF2-40B4-BE49-F238E27FC236}">
+                <a16:creationId xmlns:a16="http://schemas.microsoft.com/office/drawing/2014/main" id="{01732F01-3DA4-E55F-2D6A-79DA844330BB}"/>
+              </a:ext>
+            </a:extLst>
+          </p:cNvPr>
+          <p:cNvSpPr txBox="1">
+            <a:spLocks noChangeArrowheads="1"/>
+          </p:cNvSpPr>
+          <p:nvPr/>
+        </p:nvSpPr>
+        <p:spPr bwMode="auto">
+          <a:xfrm>
+            <a:off x="9253538" y="6251575"/>
+            <a:ext cx="312906" cy="369332"/>
+          </a:xfrm>
+          <a:prstGeom prst="rect">
+            <a:avLst/>
+          </a:prstGeom>
+          <a:noFill/>
+          <a:ln>
+            <a:noFill/>
+          </a:ln>
+          <a:extLst>
+            <a:ext uri="{909E8E84-426E-40DD-AFC4-6F175D3DCCD1}">
+              <a14:hiddenFill xmlns:a14="http://schemas.microsoft.com/office/drawing/2010/main">
+                <a:solidFill>
+                  <a:srgbClr val="FFFFFF"/>
+                </a:solidFill>
+              </a14:hiddenFill>
+            </a:ext>
+            <a:ext uri="{91240B29-F687-4F45-9708-019B960494DF}">
+              <a14:hiddenLine xmlns:a14="http://schemas.microsoft.com/office/drawing/2010/main" w="9525">
+                <a:solidFill>
+                  <a:srgbClr val="000000"/>
+                </a:solidFill>
+                <a:miter lim="800000"/>
+                <a:headEnd/>
+                <a:tailEnd/>
+              </a14:hiddenLine>
+            </a:ext>
+          </a:extLst>
+        </p:spPr>
+        <p:txBody>
+          <a:bodyPr wrap="none">
+            <a:spAutoFit/>
+          </a:bodyPr>
+          <a:lstStyle>
+            <a:lvl1pPr>
+              <a:spcBef>
+                <a:spcPct val="20000"/>
+              </a:spcBef>
+              <a:buFont typeface="Arial" panose="020B0604020202020204" pitchFamily="34" charset="0"/>
+              <a:buChar char="•"/>
+              <a:defRPr sz="3200">
+                <a:solidFill>
+                  <a:schemeClr val="tx1"/>
+                </a:solidFill>
+                <a:latin typeface="Calibri" panose="020F0502020204030204" pitchFamily="34" charset="0"/>
+              </a:defRPr>
+            </a:lvl1pPr>
+            <a:lvl2pPr marL="742950" indent="-285750">
+              <a:spcBef>
+                <a:spcPct val="20000"/>
+              </a:spcBef>
+              <a:buFont typeface="Arial" panose="020B0604020202020204" pitchFamily="34" charset="0"/>
+              <a:buChar char="–"/>
+              <a:defRPr sz="2800">
+                <a:solidFill>
+                  <a:schemeClr val="tx1"/>
+                </a:solidFill>
+                <a:latin typeface="Calibri" panose="020F0502020204030204" pitchFamily="34" charset="0"/>
+              </a:defRPr>
+            </a:lvl2pPr>
+            <a:lvl3pPr marL="1143000" indent="-228600">
+              <a:spcBef>
+                <a:spcPct val="20000"/>
+              </a:spcBef>
+              <a:buFont typeface="Arial" panose="020B0604020202020204" pitchFamily="34" charset="0"/>
+              <a:buChar char="•"/>
+              <a:defRPr sz="2400">
+                <a:solidFill>
+                  <a:schemeClr val="tx1"/>
+                </a:solidFill>
+                <a:latin typeface="Calibri" panose="020F0502020204030204" pitchFamily="34" charset="0"/>
+              </a:defRPr>
+            </a:lvl3pPr>
+            <a:lvl4pPr marL="1600200" indent="-228600">
+              <a:spcBef>
+                <a:spcPct val="20000"/>
+              </a:spcBef>
+              <a:buFont typeface="Arial" panose="020B0604020202020204" pitchFamily="34" charset="0"/>
+              <a:buChar char="–"/>
+              <a:defRPr sz="2000">
+                <a:solidFill>
+                  <a:schemeClr val="tx1"/>
+                </a:solidFill>
+                <a:latin typeface="Calibri" panose="020F0502020204030204" pitchFamily="34" charset="0"/>
+              </a:defRPr>
+            </a:lvl4pPr>
+            <a:lvl5pPr marL="2057400" indent="-228600">
+              <a:spcBef>
+                <a:spcPct val="20000"/>
+              </a:spcBef>
+              <a:buFont typeface="Arial" panose="020B0604020202020204" pitchFamily="34" charset="0"/>
+              <a:buChar char="»"/>
+              <a:defRPr sz="2000">
+                <a:solidFill>
+                  <a:schemeClr val="tx1"/>
+                </a:solidFill>
+                <a:latin typeface="Calibri" panose="020F0502020204030204" pitchFamily="34" charset="0"/>
+              </a:defRPr>
+            </a:lvl5pPr>
+            <a:lvl6pPr marL="2514600" indent="-228600" eaLnBrk="0" fontAlgn="base" hangingPunct="0">
+              <a:spcBef>
+                <a:spcPct val="20000"/>
+              </a:spcBef>
+              <a:spcAft>
+                <a:spcPct val="0"/>
+              </a:spcAft>
+              <a:buFont typeface="Arial" panose="020B0604020202020204" pitchFamily="34" charset="0"/>
+              <a:buChar char="»"/>
+              <a:defRPr sz="2000">
+                <a:solidFill>
+                  <a:schemeClr val="tx1"/>
+                </a:solidFill>
+                <a:latin typeface="Calibri" panose="020F0502020204030204" pitchFamily="34" charset="0"/>
+              </a:defRPr>
+            </a:lvl6pPr>
+            <a:lvl7pPr marL="2971800" indent="-228600" eaLnBrk="0" fontAlgn="base" hangingPunct="0">
+              <a:spcBef>
+                <a:spcPct val="20000"/>
+              </a:spcBef>
+              <a:spcAft>
+                <a:spcPct val="0"/>
+              </a:spcAft>
+              <a:buFont typeface="Arial" panose="020B0604020202020204" pitchFamily="34" charset="0"/>
+              <a:buChar char="»"/>
+              <a:defRPr sz="2000">
+                <a:solidFill>
+                  <a:schemeClr val="tx1"/>
+                </a:solidFill>
+                <a:latin typeface="Calibri" panose="020F0502020204030204" pitchFamily="34" charset="0"/>
+              </a:defRPr>
+            </a:lvl7pPr>
+            <a:lvl8pPr marL="3429000" indent="-228600" eaLnBrk="0" fontAlgn="base" hangingPunct="0">
+              <a:spcBef>
+                <a:spcPct val="20000"/>
+              </a:spcBef>
+              <a:spcAft>
+                <a:spcPct val="0"/>
+              </a:spcAft>
+              <a:buFont typeface="Arial" panose="020B0604020202020204" pitchFamily="34" charset="0"/>
+              <a:buChar char="»"/>
+              <a:defRPr sz="2000">
+                <a:solidFill>
+                  <a:schemeClr val="tx1"/>
+                </a:solidFill>
+                <a:latin typeface="Calibri" panose="020F0502020204030204" pitchFamily="34" charset="0"/>
+              </a:defRPr>
+            </a:lvl8pPr>
+            <a:lvl9pPr marL="3886200" indent="-228600" eaLnBrk="0" fontAlgn="base" hangingPunct="0">
+              <a:spcBef>
+                <a:spcPct val="20000"/>
+              </a:spcBef>
+              <a:spcAft>
+                <a:spcPct val="0"/>
+              </a:spcAft>
+              <a:buFont typeface="Arial" panose="020B0604020202020204" pitchFamily="34" charset="0"/>
+              <a:buChar char="»"/>
+              <a:defRPr sz="2000">
+                <a:solidFill>
+                  <a:schemeClr val="tx1"/>
+                </a:solidFill>
+                <a:latin typeface="Calibri" panose="020F0502020204030204" pitchFamily="34" charset="0"/>
+              </a:defRPr>
+            </a:lvl9pPr>
+          </a:lstStyle>
+          <a:p>
+            <a:pPr>
+              <a:spcBef>
+                <a:spcPct val="0"/>
+              </a:spcBef>
+              <a:buFontTx/>
+              <a:buNone/>
+            </a:pPr>
+            <a:r>
+              <a:rPr lang="ru-RU" altLang="ru-RU" sz="1800" dirty="0">
+                <a:latin typeface="Arial" panose="020B0604020202020204" pitchFamily="34" charset="0"/>
+              </a:rPr>
+              <a:t>9</a:t>
+            </a:r>
+          </a:p>
+        </p:txBody>
+      </p:sp>
+      <p:pic>
+        <p:nvPicPr>
+          <p:cNvPr id="6" name="Рисунок 5">
+            <a:extLst>
+              <a:ext uri="{FF2B5EF4-FFF2-40B4-BE49-F238E27FC236}">
+                <a16:creationId xmlns:a16="http://schemas.microsoft.com/office/drawing/2014/main" id="{E3F54E3E-46D4-EFDF-C186-53C4DFC69C2F}"/>
+              </a:ext>
+            </a:extLst>
+          </p:cNvPr>
+          <p:cNvPicPr>
+            <a:picLocks noChangeAspect="1"/>
+          </p:cNvPicPr>
+          <p:nvPr/>
+        </p:nvPicPr>
+        <p:blipFill>
+          <a:blip r:embed="rId2">
+            <a:extLst>
+              <a:ext uri="{28A0092B-C50C-407E-A947-70E740481C1C}">
+                <a14:useLocalDpi xmlns:a14="http://schemas.microsoft.com/office/drawing/2010/main" val="0"/>
+              </a:ext>
+            </a:extLst>
+          </a:blip>
+          <a:srcRect/>
+          <a:stretch>
+            <a:fillRect/>
+          </a:stretch>
+        </p:blipFill>
+        <p:spPr>
+          <a:xfrm>
+            <a:off x="1907455" y="1340768"/>
+            <a:ext cx="7343369" cy="3456004"/>
+          </a:xfrm>
+          <a:prstGeom prst="rect">
+            <a:avLst/>
+          </a:prstGeom>
+          <a:noFill/>
+          <a:ln>
+            <a:noFill/>
+          </a:ln>
+        </p:spPr>
+      </p:pic>
+      <p:pic>
+        <p:nvPicPr>
+          <p:cNvPr id="2050" name="Picture 2">
+            <a:extLst>
+              <a:ext uri="{FF2B5EF4-FFF2-40B4-BE49-F238E27FC236}">
+                <a16:creationId xmlns:a16="http://schemas.microsoft.com/office/drawing/2014/main" id="{46D84965-B9A1-9965-BAEA-82085EEDFCA2}"/>
+              </a:ext>
+            </a:extLst>
+          </p:cNvPr>
+          <p:cNvPicPr>
+            <a:picLocks noChangeAspect="1" noChangeArrowheads="1"/>
+          </p:cNvPicPr>
+          <p:nvPr/>
+        </p:nvPicPr>
+        <p:blipFill>
+          <a:blip r:embed="rId3">
+            <a:extLst>
+              <a:ext uri="{28A0092B-C50C-407E-A947-70E740481C1C}">
+                <a14:useLocalDpi xmlns:a14="http://schemas.microsoft.com/office/drawing/2010/main" val="0"/>
+              </a:ext>
+            </a:extLst>
+          </a:blip>
+          <a:srcRect/>
+          <a:stretch>
+            <a:fillRect/>
+          </a:stretch>
+        </p:blipFill>
+        <p:spPr bwMode="auto">
+          <a:xfrm>
+            <a:off x="272480" y="4735055"/>
+            <a:ext cx="1914916" cy="2129327"/>
+          </a:xfrm>
+          <a:prstGeom prst="rect">
+            <a:avLst/>
+          </a:prstGeom>
+          <a:noFill/>
+          <a:extLst>
+            <a:ext uri="{909E8E84-426E-40DD-AFC4-6F175D3DCCD1}">
+              <a14:hiddenFill xmlns:a14="http://schemas.microsoft.com/office/drawing/2010/main">
+                <a:solidFill>
+                  <a:srgbClr val="FFFFFF"/>
+                </a:solidFill>
+              </a14:hiddenFill>
+            </a:ext>
+          </a:extLst>
+        </p:spPr>
+      </p:pic>
+    </p:spTree>
+  </p:cSld>
+  <p:clrMapOvr>
+    <a:masterClrMapping/>
+  </p:clrMapOvr>
+</p:sld>
+</file>
+
+<file path=ppt/slides/slide11.xml><?xml version="1.0" encoding="utf-8"?>
+<p:sld xmlns:a="http://schemas.openxmlformats.org/drawingml/2006/main" xmlns:r="http://schemas.openxmlformats.org/officeDocument/2006/relationships" xmlns:p="http://schemas.openxmlformats.org/presentationml/2006/main">
+  <p:cSld>
+    <p:spTree>
+      <p:nvGrpSpPr>
+        <p:cNvPr id="1" name=""/>
+        <p:cNvGrpSpPr/>
+        <p:nvPr/>
+      </p:nvGrpSpPr>
+      <p:grpSpPr>
+        <a:xfrm>
+          <a:off x="0" y="0"/>
+          <a:ext cx="0" cy="0"/>
+          <a:chOff x="0" y="0"/>
+          <a:chExt cx="0" cy="0"/>
+        </a:xfrm>
+      </p:grpSpPr>
+      <p:sp>
+        <p:nvSpPr>
+          <p:cNvPr id="2" name="Заголовок 1">
+            <a:extLst>
+              <a:ext uri="{FF2B5EF4-FFF2-40B4-BE49-F238E27FC236}">
                 <a16:creationId xmlns:a16="http://schemas.microsoft.com/office/drawing/2014/main" id="{4822E7A7-7405-4EEE-B2F4-3008FF7A92EC}"/>
               </a:ext>
             </a:extLst>
@@ -5142,7 +5491,7 @@
         <p:spPr bwMode="auto">
           <a:xfrm>
             <a:off x="9253538" y="6251575"/>
-            <a:ext cx="312906" cy="369332"/>
+            <a:ext cx="441146" cy="369332"/>
           </a:xfrm>
           <a:prstGeom prst="rect">
             <a:avLst/>
@@ -5318,7 +5667,7 @@
               <a:rPr lang="ru-RU" altLang="ru-RU" sz="1800" dirty="0">
                 <a:latin typeface="Arial" panose="020B0604020202020204" pitchFamily="34" charset="0"/>
               </a:rPr>
-              <a:t>9</a:t>
+              <a:t>10</a:t>
             </a:r>
           </a:p>
         </p:txBody>
@@ -5372,7 +5721,7 @@
 </p:sld>
 </file>
 
-<file path=ppt/slides/slide11.xml><?xml version="1.0" encoding="utf-8"?>
+<file path=ppt/slides/slide12.xml><?xml version="1.0" encoding="utf-8"?>
 <p:sld xmlns:a="http://schemas.openxmlformats.org/drawingml/2006/main" xmlns:r="http://schemas.openxmlformats.org/officeDocument/2006/relationships" xmlns:p="http://schemas.openxmlformats.org/presentationml/2006/main">
   <p:cSld>
     <p:spTree>
@@ -5467,7 +5816,7 @@
         <p:spPr bwMode="auto">
           <a:xfrm>
             <a:off x="9253538" y="6251575"/>
-            <a:ext cx="441146" cy="369332"/>
+            <a:ext cx="424027" cy="369332"/>
           </a:xfrm>
           <a:prstGeom prst="rect">
             <a:avLst/>
@@ -5643,7 +5992,7 @@
               <a:rPr lang="ru-RU" altLang="ru-RU" sz="1800" dirty="0">
                 <a:latin typeface="Arial" panose="020B0604020202020204" pitchFamily="34" charset="0"/>
               </a:rPr>
-              <a:t>10</a:t>
+              <a:t>11</a:t>
             </a:r>
           </a:p>
         </p:txBody>
@@ -5702,7 +6051,7 @@
 </p:sld>
 </file>
 
-<file path=ppt/slides/slide12.xml><?xml version="1.0" encoding="utf-8"?>
+<file path=ppt/slides/slide13.xml><?xml version="1.0" encoding="utf-8"?>
 <p:sld xmlns:a="http://schemas.openxmlformats.org/drawingml/2006/main" xmlns:r="http://schemas.openxmlformats.org/officeDocument/2006/relationships" xmlns:p="http://schemas.openxmlformats.org/presentationml/2006/main">
   <p:cSld>
     <p:spTree>
@@ -5797,7 +6146,7 @@
         <p:spPr bwMode="auto">
           <a:xfrm>
             <a:off x="9253538" y="6251575"/>
-            <a:ext cx="425450" cy="368300"/>
+            <a:ext cx="441146" cy="369332"/>
           </a:xfrm>
           <a:prstGeom prst="rect">
             <a:avLst/>
@@ -5970,10 +6319,10 @@
               <a:buNone/>
             </a:pPr>
             <a:r>
-              <a:rPr lang="ru-RU" altLang="ru-RU" sz="1800">
+              <a:rPr lang="ru-RU" altLang="ru-RU" sz="1800" dirty="0">
                 <a:latin typeface="Arial" panose="020B0604020202020204" pitchFamily="34" charset="0"/>
               </a:rPr>
-              <a:t>11</a:t>
+              <a:t>12</a:t>
             </a:r>
           </a:p>
         </p:txBody>
@@ -6032,7 +6381,7 @@
 </p:sld>
 </file>
 
-<file path=ppt/slides/slide13.xml><?xml version="1.0" encoding="utf-8"?>
+<file path=ppt/slides/slide14.xml><?xml version="1.0" encoding="utf-8"?>
 <p:sld xmlns:a="http://schemas.openxmlformats.org/drawingml/2006/main" xmlns:r="http://schemas.openxmlformats.org/officeDocument/2006/relationships" xmlns:p="http://schemas.openxmlformats.org/presentationml/2006/main">
   <p:cSld>
     <p:spTree>
@@ -6303,7 +6652,7 @@
               <a:rPr lang="ru-RU" altLang="ru-RU" sz="1800" dirty="0">
                 <a:latin typeface="Arial" panose="020B0604020202020204" pitchFamily="34" charset="0"/>
               </a:rPr>
-              <a:t>12</a:t>
+              <a:t>13</a:t>
             </a:r>
           </a:p>
         </p:txBody>
@@ -6362,7 +6711,7 @@
 </p:sld>
 </file>
 
-<file path=ppt/slides/slide14.xml><?xml version="1.0" encoding="utf-8"?>
+<file path=ppt/slides/slide15.xml><?xml version="1.0" encoding="utf-8"?>
 <p:sld xmlns:a="http://schemas.openxmlformats.org/drawingml/2006/main" xmlns:r="http://schemas.openxmlformats.org/officeDocument/2006/relationships" xmlns:p="http://schemas.openxmlformats.org/presentationml/2006/main">
   <p:cSld>
     <p:spTree>
@@ -6633,7 +6982,7 @@
               <a:rPr lang="ru-RU" altLang="ru-RU" sz="1800" dirty="0">
                 <a:latin typeface="Arial" panose="020B0604020202020204" pitchFamily="34" charset="0"/>
               </a:rPr>
-              <a:t>13</a:t>
+              <a:t>14</a:t>
             </a:r>
           </a:p>
         </p:txBody>
@@ -6692,7 +7041,7 @@
 </p:sld>
 </file>
 
-<file path=ppt/slides/slide15.xml><?xml version="1.0" encoding="utf-8"?>
+<file path=ppt/slides/slide16.xml><?xml version="1.0" encoding="utf-8"?>
 <p:sld xmlns:a="http://schemas.openxmlformats.org/drawingml/2006/main" xmlns:r="http://schemas.openxmlformats.org/officeDocument/2006/relationships" xmlns:p="http://schemas.openxmlformats.org/presentationml/2006/main">
   <p:cSld>
     <p:spTree>
@@ -6963,7 +7312,7 @@
               <a:rPr lang="ru-RU" altLang="ru-RU" sz="1800" dirty="0">
                 <a:latin typeface="Arial" panose="020B0604020202020204" pitchFamily="34" charset="0"/>
               </a:rPr>
-              <a:t>14</a:t>
+              <a:t>15</a:t>
             </a:r>
           </a:p>
         </p:txBody>
@@ -7022,7 +7371,7 @@
 </p:sld>
 </file>
 
-<file path=ppt/slides/slide16.xml><?xml version="1.0" encoding="utf-8"?>
+<file path=ppt/slides/slide17.xml><?xml version="1.0" encoding="utf-8"?>
 <p:sld xmlns:a="http://schemas.openxmlformats.org/drawingml/2006/main" xmlns:r="http://schemas.openxmlformats.org/officeDocument/2006/relationships" xmlns:p="http://schemas.openxmlformats.org/presentationml/2006/main">
   <p:cSld>
     <p:spTree>
@@ -7293,7 +7642,7 @@
               <a:rPr lang="ru-RU" altLang="ru-RU" sz="1800" dirty="0">
                 <a:latin typeface="Arial" panose="020B0604020202020204" pitchFamily="34" charset="0"/>
               </a:rPr>
-              <a:t>15</a:t>
+              <a:t>16</a:t>
             </a:r>
           </a:p>
         </p:txBody>
@@ -7352,7 +7701,7 @@
 </p:sld>
 </file>
 
-<file path=ppt/slides/slide17.xml><?xml version="1.0" encoding="utf-8"?>
+<file path=ppt/slides/slide18.xml><?xml version="1.0" encoding="utf-8"?>
 <p:sld xmlns:a="http://schemas.openxmlformats.org/drawingml/2006/main" xmlns:r="http://schemas.openxmlformats.org/officeDocument/2006/relationships" xmlns:p="http://schemas.openxmlformats.org/presentationml/2006/main">
   <p:cSld>
     <p:spTree>
@@ -7623,7 +7972,7 @@
               <a:rPr lang="ru-RU" altLang="ru-RU" sz="1800" dirty="0">
                 <a:latin typeface="Arial" panose="020B0604020202020204" pitchFamily="34" charset="0"/>
               </a:rPr>
-              <a:t>16</a:t>
+              <a:t>17</a:t>
             </a:r>
           </a:p>
         </p:txBody>
@@ -7682,7 +8031,7 @@
 </p:sld>
 </file>
 
-<file path=ppt/slides/slide18.xml><?xml version="1.0" encoding="utf-8"?>
+<file path=ppt/slides/slide19.xml><?xml version="1.0" encoding="utf-8"?>
 <p:sld xmlns:a="http://schemas.openxmlformats.org/drawingml/2006/main" xmlns:r="http://schemas.openxmlformats.org/officeDocument/2006/relationships" xmlns:p="http://schemas.openxmlformats.org/presentationml/2006/main">
   <p:cSld>
     <p:spTree>
@@ -7953,7 +8302,7 @@
               <a:rPr lang="ru-RU" altLang="ru-RU" sz="1800" dirty="0">
                 <a:latin typeface="Arial" panose="020B0604020202020204" pitchFamily="34" charset="0"/>
               </a:rPr>
-              <a:t>17</a:t>
+              <a:t>18</a:t>
             </a:r>
           </a:p>
         </p:txBody>
@@ -8012,7 +8361,733 @@
 </p:sld>
 </file>
 
-<file path=ppt/slides/slide19.xml><?xml version="1.0" encoding="utf-8"?>
+<file path=ppt/slides/slide2.xml><?xml version="1.0" encoding="utf-8"?>
+<p:sld xmlns:a="http://schemas.openxmlformats.org/drawingml/2006/main" xmlns:r="http://schemas.openxmlformats.org/officeDocument/2006/relationships" xmlns:p="http://schemas.openxmlformats.org/presentationml/2006/main">
+  <p:cSld>
+    <p:spTree>
+      <p:nvGrpSpPr>
+        <p:cNvPr id="1" name=""/>
+        <p:cNvGrpSpPr/>
+        <p:nvPr/>
+      </p:nvGrpSpPr>
+      <p:grpSpPr>
+        <a:xfrm>
+          <a:off x="0" y="0"/>
+          <a:ext cx="0" cy="0"/>
+          <a:chOff x="0" y="0"/>
+          <a:chExt cx="0" cy="0"/>
+        </a:xfrm>
+      </p:grpSpPr>
+      <p:sp>
+        <p:nvSpPr>
+          <p:cNvPr id="6" name="Заголовок 1">
+            <a:extLst>
+              <a:ext uri="{FF2B5EF4-FFF2-40B4-BE49-F238E27FC236}">
+                <a16:creationId xmlns:a16="http://schemas.microsoft.com/office/drawing/2014/main" id="{CEDF5C94-3B6F-4D7B-82FF-515C8363DBC5}"/>
+              </a:ext>
+            </a:extLst>
+          </p:cNvPr>
+          <p:cNvSpPr txBox="1">
+            <a:spLocks/>
+          </p:cNvSpPr>
+          <p:nvPr/>
+        </p:nvSpPr>
+        <p:spPr bwMode="auto">
+          <a:xfrm>
+            <a:off x="849313" y="2130425"/>
+            <a:ext cx="8313737" cy="1585913"/>
+          </a:xfrm>
+          <a:prstGeom prst="rect">
+            <a:avLst/>
+          </a:prstGeom>
+          <a:noFill/>
+          <a:ln>
+            <a:noFill/>
+          </a:ln>
+          <a:extLst>
+            <a:ext uri="{909E8E84-426E-40DD-AFC4-6F175D3DCCD1}">
+              <a14:hiddenFill xmlns:a14="http://schemas.microsoft.com/office/drawing/2010/main">
+                <a:solidFill>
+                  <a:srgbClr val="FFFFFF"/>
+                </a:solidFill>
+              </a14:hiddenFill>
+            </a:ext>
+            <a:ext uri="{91240B29-F687-4F45-9708-019B960494DF}">
+              <a14:hiddenLine xmlns:a14="http://schemas.microsoft.com/office/drawing/2010/main" w="9525">
+                <a:solidFill>
+                  <a:srgbClr val="000000"/>
+                </a:solidFill>
+                <a:miter lim="800000"/>
+                <a:headEnd/>
+                <a:tailEnd/>
+              </a14:hiddenLine>
+            </a:ext>
+          </a:extLst>
+        </p:spPr>
+        <p:txBody>
+          <a:bodyPr anchor="ctr">
+            <a:normAutofit fontScale="97500"/>
+          </a:bodyPr>
+          <a:lstStyle>
+            <a:lvl1pPr algn="r" rtl="0" eaLnBrk="0" fontAlgn="base" hangingPunct="0">
+              <a:spcBef>
+                <a:spcPct val="0"/>
+              </a:spcBef>
+              <a:spcAft>
+                <a:spcPct val="0"/>
+              </a:spcAft>
+              <a:defRPr sz="2800" b="1" kern="1200">
+                <a:solidFill>
+                  <a:srgbClr val="C00000"/>
+                </a:solidFill>
+                <a:latin typeface="+mn-lt"/>
+                <a:ea typeface="+mj-ea"/>
+                <a:cs typeface="Arial" pitchFamily="34" charset="0"/>
+              </a:defRPr>
+            </a:lvl1pPr>
+            <a:lvl2pPr algn="ctr" rtl="0" eaLnBrk="0" fontAlgn="base" hangingPunct="0">
+              <a:spcBef>
+                <a:spcPct val="0"/>
+              </a:spcBef>
+              <a:spcAft>
+                <a:spcPct val="0"/>
+              </a:spcAft>
+              <a:defRPr sz="4400">
+                <a:solidFill>
+                  <a:schemeClr val="tx1"/>
+                </a:solidFill>
+                <a:latin typeface="Calibri" pitchFamily="34" charset="0"/>
+              </a:defRPr>
+            </a:lvl2pPr>
+            <a:lvl3pPr algn="ctr" rtl="0" eaLnBrk="0" fontAlgn="base" hangingPunct="0">
+              <a:spcBef>
+                <a:spcPct val="0"/>
+              </a:spcBef>
+              <a:spcAft>
+                <a:spcPct val="0"/>
+              </a:spcAft>
+              <a:defRPr sz="4400">
+                <a:solidFill>
+                  <a:schemeClr val="tx1"/>
+                </a:solidFill>
+                <a:latin typeface="Calibri" pitchFamily="34" charset="0"/>
+              </a:defRPr>
+            </a:lvl3pPr>
+            <a:lvl4pPr algn="ctr" rtl="0" eaLnBrk="0" fontAlgn="base" hangingPunct="0">
+              <a:spcBef>
+                <a:spcPct val="0"/>
+              </a:spcBef>
+              <a:spcAft>
+                <a:spcPct val="0"/>
+              </a:spcAft>
+              <a:defRPr sz="4400">
+                <a:solidFill>
+                  <a:schemeClr val="tx1"/>
+                </a:solidFill>
+                <a:latin typeface="Calibri" pitchFamily="34" charset="0"/>
+              </a:defRPr>
+            </a:lvl4pPr>
+            <a:lvl5pPr algn="ctr" rtl="0" eaLnBrk="0" fontAlgn="base" hangingPunct="0">
+              <a:spcBef>
+                <a:spcPct val="0"/>
+              </a:spcBef>
+              <a:spcAft>
+                <a:spcPct val="0"/>
+              </a:spcAft>
+              <a:defRPr sz="4400">
+                <a:solidFill>
+                  <a:schemeClr val="tx1"/>
+                </a:solidFill>
+                <a:latin typeface="Calibri" pitchFamily="34" charset="0"/>
+              </a:defRPr>
+            </a:lvl5pPr>
+            <a:lvl6pPr marL="457200" algn="ctr" rtl="0" fontAlgn="base">
+              <a:spcBef>
+                <a:spcPct val="0"/>
+              </a:spcBef>
+              <a:spcAft>
+                <a:spcPct val="0"/>
+              </a:spcAft>
+              <a:defRPr sz="4400">
+                <a:solidFill>
+                  <a:schemeClr val="tx1"/>
+                </a:solidFill>
+                <a:latin typeface="Calibri" pitchFamily="34" charset="0"/>
+              </a:defRPr>
+            </a:lvl6pPr>
+            <a:lvl7pPr marL="914400" algn="ctr" rtl="0" fontAlgn="base">
+              <a:spcBef>
+                <a:spcPct val="0"/>
+              </a:spcBef>
+              <a:spcAft>
+                <a:spcPct val="0"/>
+              </a:spcAft>
+              <a:defRPr sz="4400">
+                <a:solidFill>
+                  <a:schemeClr val="tx1"/>
+                </a:solidFill>
+                <a:latin typeface="Calibri" pitchFamily="34" charset="0"/>
+              </a:defRPr>
+            </a:lvl7pPr>
+            <a:lvl8pPr marL="1371600" algn="ctr" rtl="0" fontAlgn="base">
+              <a:spcBef>
+                <a:spcPct val="0"/>
+              </a:spcBef>
+              <a:spcAft>
+                <a:spcPct val="0"/>
+              </a:spcAft>
+              <a:defRPr sz="4400">
+                <a:solidFill>
+                  <a:schemeClr val="tx1"/>
+                </a:solidFill>
+                <a:latin typeface="Calibri" pitchFamily="34" charset="0"/>
+              </a:defRPr>
+            </a:lvl8pPr>
+            <a:lvl9pPr marL="1828800" algn="ctr" rtl="0" fontAlgn="base">
+              <a:spcBef>
+                <a:spcPct val="0"/>
+              </a:spcBef>
+              <a:spcAft>
+                <a:spcPct val="0"/>
+              </a:spcAft>
+              <a:defRPr sz="4400">
+                <a:solidFill>
+                  <a:schemeClr val="tx1"/>
+                </a:solidFill>
+                <a:latin typeface="Calibri" pitchFamily="34" charset="0"/>
+              </a:defRPr>
+            </a:lvl9pPr>
+          </a:lstStyle>
+          <a:p>
+            <a:pPr algn="ctr" eaLnBrk="1" fontAlgn="auto" hangingPunct="1">
+              <a:spcAft>
+                <a:spcPts val="0"/>
+              </a:spcAft>
+              <a:defRPr/>
+            </a:pPr>
+            <a:r>
+              <a:rPr lang="ru-RU" b="0" dirty="0">
+                <a:solidFill>
+                  <a:schemeClr val="tx1"/>
+                </a:solidFill>
+              </a:rPr>
+              <a:t>Разработка программного обеспечения </a:t>
+            </a:r>
+            <a:r>
+              <a:rPr lang="ru-RU" b="0" dirty="0" err="1">
+                <a:solidFill>
+                  <a:schemeClr val="tx1"/>
+                </a:solidFill>
+              </a:rPr>
+              <a:t>скелетизации</a:t>
+            </a:r>
+            <a:r>
+              <a:rPr lang="ru-RU" b="0" dirty="0">
+                <a:solidFill>
+                  <a:schemeClr val="tx1"/>
+                </a:solidFill>
+              </a:rPr>
+              <a:t> </a:t>
+            </a:r>
+          </a:p>
+          <a:p>
+            <a:pPr algn="ctr" eaLnBrk="1" fontAlgn="auto" hangingPunct="1">
+              <a:spcAft>
+                <a:spcPts val="0"/>
+              </a:spcAft>
+              <a:defRPr/>
+            </a:pPr>
+            <a:r>
+              <a:rPr lang="ru-RU" b="0" dirty="0">
+                <a:solidFill>
+                  <a:schemeClr val="tx1"/>
+                </a:solidFill>
+              </a:rPr>
+              <a:t>изображений человека для контроля опасных действий</a:t>
+            </a:r>
+          </a:p>
+        </p:txBody>
+      </p:sp>
+      <p:sp>
+        <p:nvSpPr>
+          <p:cNvPr id="5123" name="TextBox 2">
+            <a:extLst>
+              <a:ext uri="{FF2B5EF4-FFF2-40B4-BE49-F238E27FC236}">
+                <a16:creationId xmlns:a16="http://schemas.microsoft.com/office/drawing/2014/main" id="{2D65BC3C-5F45-0CA9-3658-37B67A9E718E}"/>
+              </a:ext>
+            </a:extLst>
+          </p:cNvPr>
+          <p:cNvSpPr txBox="1">
+            <a:spLocks noChangeArrowheads="1"/>
+          </p:cNvSpPr>
+          <p:nvPr/>
+        </p:nvSpPr>
+        <p:spPr bwMode="auto">
+          <a:xfrm>
+            <a:off x="5600700" y="3789363"/>
+            <a:ext cx="3889375" cy="1754187"/>
+          </a:xfrm>
+          <a:prstGeom prst="rect">
+            <a:avLst/>
+          </a:prstGeom>
+          <a:noFill/>
+          <a:ln>
+            <a:noFill/>
+          </a:ln>
+          <a:extLst>
+            <a:ext uri="{909E8E84-426E-40DD-AFC4-6F175D3DCCD1}">
+              <a14:hiddenFill xmlns:a14="http://schemas.microsoft.com/office/drawing/2010/main">
+                <a:solidFill>
+                  <a:srgbClr val="FFFFFF"/>
+                </a:solidFill>
+              </a14:hiddenFill>
+            </a:ext>
+            <a:ext uri="{91240B29-F687-4F45-9708-019B960494DF}">
+              <a14:hiddenLine xmlns:a14="http://schemas.microsoft.com/office/drawing/2010/main" w="9525">
+                <a:solidFill>
+                  <a:srgbClr val="000000"/>
+                </a:solidFill>
+                <a:miter lim="800000"/>
+                <a:headEnd/>
+                <a:tailEnd/>
+              </a14:hiddenLine>
+            </a:ext>
+          </a:extLst>
+        </p:spPr>
+        <p:txBody>
+          <a:bodyPr>
+            <a:spAutoFit/>
+          </a:bodyPr>
+          <a:lstStyle>
+            <a:lvl1pPr>
+              <a:spcBef>
+                <a:spcPct val="20000"/>
+              </a:spcBef>
+              <a:buFont typeface="Arial" panose="020B0604020202020204" pitchFamily="34" charset="0"/>
+              <a:buChar char="•"/>
+              <a:defRPr sz="3200">
+                <a:solidFill>
+                  <a:schemeClr val="tx1"/>
+                </a:solidFill>
+                <a:latin typeface="Calibri" panose="020F0502020204030204" pitchFamily="34" charset="0"/>
+              </a:defRPr>
+            </a:lvl1pPr>
+            <a:lvl2pPr marL="742950" indent="-285750">
+              <a:spcBef>
+                <a:spcPct val="20000"/>
+              </a:spcBef>
+              <a:buFont typeface="Arial" panose="020B0604020202020204" pitchFamily="34" charset="0"/>
+              <a:buChar char="–"/>
+              <a:defRPr sz="2800">
+                <a:solidFill>
+                  <a:schemeClr val="tx1"/>
+                </a:solidFill>
+                <a:latin typeface="Calibri" panose="020F0502020204030204" pitchFamily="34" charset="0"/>
+              </a:defRPr>
+            </a:lvl2pPr>
+            <a:lvl3pPr marL="1143000" indent="-228600">
+              <a:spcBef>
+                <a:spcPct val="20000"/>
+              </a:spcBef>
+              <a:buFont typeface="Arial" panose="020B0604020202020204" pitchFamily="34" charset="0"/>
+              <a:buChar char="•"/>
+              <a:defRPr sz="2400">
+                <a:solidFill>
+                  <a:schemeClr val="tx1"/>
+                </a:solidFill>
+                <a:latin typeface="Calibri" panose="020F0502020204030204" pitchFamily="34" charset="0"/>
+              </a:defRPr>
+            </a:lvl3pPr>
+            <a:lvl4pPr marL="1600200" indent="-228600">
+              <a:spcBef>
+                <a:spcPct val="20000"/>
+              </a:spcBef>
+              <a:buFont typeface="Arial" panose="020B0604020202020204" pitchFamily="34" charset="0"/>
+              <a:buChar char="–"/>
+              <a:defRPr sz="2000">
+                <a:solidFill>
+                  <a:schemeClr val="tx1"/>
+                </a:solidFill>
+                <a:latin typeface="Calibri" panose="020F0502020204030204" pitchFamily="34" charset="0"/>
+              </a:defRPr>
+            </a:lvl4pPr>
+            <a:lvl5pPr marL="2057400" indent="-228600">
+              <a:spcBef>
+                <a:spcPct val="20000"/>
+              </a:spcBef>
+              <a:buFont typeface="Arial" panose="020B0604020202020204" pitchFamily="34" charset="0"/>
+              <a:buChar char="»"/>
+              <a:defRPr sz="2000">
+                <a:solidFill>
+                  <a:schemeClr val="tx1"/>
+                </a:solidFill>
+                <a:latin typeface="Calibri" panose="020F0502020204030204" pitchFamily="34" charset="0"/>
+              </a:defRPr>
+            </a:lvl5pPr>
+            <a:lvl6pPr marL="2514600" indent="-228600" eaLnBrk="0" fontAlgn="base" hangingPunct="0">
+              <a:spcBef>
+                <a:spcPct val="20000"/>
+              </a:spcBef>
+              <a:spcAft>
+                <a:spcPct val="0"/>
+              </a:spcAft>
+              <a:buFont typeface="Arial" panose="020B0604020202020204" pitchFamily="34" charset="0"/>
+              <a:buChar char="»"/>
+              <a:defRPr sz="2000">
+                <a:solidFill>
+                  <a:schemeClr val="tx1"/>
+                </a:solidFill>
+                <a:latin typeface="Calibri" panose="020F0502020204030204" pitchFamily="34" charset="0"/>
+              </a:defRPr>
+            </a:lvl6pPr>
+            <a:lvl7pPr marL="2971800" indent="-228600" eaLnBrk="0" fontAlgn="base" hangingPunct="0">
+              <a:spcBef>
+                <a:spcPct val="20000"/>
+              </a:spcBef>
+              <a:spcAft>
+                <a:spcPct val="0"/>
+              </a:spcAft>
+              <a:buFont typeface="Arial" panose="020B0604020202020204" pitchFamily="34" charset="0"/>
+              <a:buChar char="»"/>
+              <a:defRPr sz="2000">
+                <a:solidFill>
+                  <a:schemeClr val="tx1"/>
+                </a:solidFill>
+                <a:latin typeface="Calibri" panose="020F0502020204030204" pitchFamily="34" charset="0"/>
+              </a:defRPr>
+            </a:lvl7pPr>
+            <a:lvl8pPr marL="3429000" indent="-228600" eaLnBrk="0" fontAlgn="base" hangingPunct="0">
+              <a:spcBef>
+                <a:spcPct val="20000"/>
+              </a:spcBef>
+              <a:spcAft>
+                <a:spcPct val="0"/>
+              </a:spcAft>
+              <a:buFont typeface="Arial" panose="020B0604020202020204" pitchFamily="34" charset="0"/>
+              <a:buChar char="»"/>
+              <a:defRPr sz="2000">
+                <a:solidFill>
+                  <a:schemeClr val="tx1"/>
+                </a:solidFill>
+                <a:latin typeface="Calibri" panose="020F0502020204030204" pitchFamily="34" charset="0"/>
+              </a:defRPr>
+            </a:lvl8pPr>
+            <a:lvl9pPr marL="3886200" indent="-228600" eaLnBrk="0" fontAlgn="base" hangingPunct="0">
+              <a:spcBef>
+                <a:spcPct val="20000"/>
+              </a:spcBef>
+              <a:spcAft>
+                <a:spcPct val="0"/>
+              </a:spcAft>
+              <a:buFont typeface="Arial" panose="020B0604020202020204" pitchFamily="34" charset="0"/>
+              <a:buChar char="»"/>
+              <a:defRPr sz="2000">
+                <a:solidFill>
+                  <a:schemeClr val="tx1"/>
+                </a:solidFill>
+                <a:latin typeface="Calibri" panose="020F0502020204030204" pitchFamily="34" charset="0"/>
+              </a:defRPr>
+            </a:lvl9pPr>
+          </a:lstStyle>
+          <a:p>
+            <a:pPr algn="r" eaLnBrk="1" hangingPunct="1">
+              <a:spcBef>
+                <a:spcPct val="0"/>
+              </a:spcBef>
+              <a:buFontTx/>
+              <a:buNone/>
+            </a:pPr>
+            <a:r>
+              <a:rPr lang="ru-RU" altLang="ru-RU" sz="1800" dirty="0">
+                <a:latin typeface="Roboto" panose="02000000000000000000" pitchFamily="2" charset="0"/>
+              </a:rPr>
+              <a:t>Выполнил:</a:t>
+            </a:r>
+          </a:p>
+          <a:p>
+            <a:pPr algn="r" eaLnBrk="1" hangingPunct="1">
+              <a:spcBef>
+                <a:spcPct val="0"/>
+              </a:spcBef>
+              <a:buFontTx/>
+              <a:buNone/>
+            </a:pPr>
+            <a:r>
+              <a:rPr lang="ru-RU" altLang="ru-RU" sz="1800" dirty="0">
+                <a:latin typeface="Roboto" panose="02000000000000000000" pitchFamily="2" charset="0"/>
+              </a:rPr>
+              <a:t>Студент гр. 1ПИб-01-41Оп</a:t>
+            </a:r>
+          </a:p>
+          <a:p>
+            <a:pPr algn="r" eaLnBrk="1" hangingPunct="1">
+              <a:spcBef>
+                <a:spcPct val="0"/>
+              </a:spcBef>
+              <a:buFontTx/>
+              <a:buNone/>
+            </a:pPr>
+            <a:r>
+              <a:rPr lang="ru-RU" altLang="ru-RU" sz="1800" dirty="0">
+                <a:latin typeface="Roboto" panose="02000000000000000000" pitchFamily="2" charset="0"/>
+              </a:rPr>
+              <a:t>Богданов Александр Павлович</a:t>
+            </a:r>
+          </a:p>
+          <a:p>
+            <a:pPr algn="r" eaLnBrk="1" hangingPunct="1">
+              <a:spcBef>
+                <a:spcPct val="0"/>
+              </a:spcBef>
+              <a:buFontTx/>
+              <a:buNone/>
+            </a:pPr>
+            <a:r>
+              <a:rPr lang="ru-RU" altLang="ru-RU" sz="1800" dirty="0">
+                <a:latin typeface="Roboto" panose="02000000000000000000" pitchFamily="2" charset="0"/>
+              </a:rPr>
+              <a:t>Руководитель:</a:t>
+            </a:r>
+          </a:p>
+          <a:p>
+            <a:pPr algn="r" eaLnBrk="1" hangingPunct="1">
+              <a:spcBef>
+                <a:spcPct val="0"/>
+              </a:spcBef>
+              <a:buFontTx/>
+              <a:buNone/>
+            </a:pPr>
+            <a:r>
+              <a:rPr lang="ru-RU" altLang="ru-RU" sz="1800" dirty="0">
+                <a:latin typeface="Roboto" panose="02000000000000000000" pitchFamily="2" charset="0"/>
+              </a:rPr>
+              <a:t>д.т.н., профессор</a:t>
+            </a:r>
+          </a:p>
+          <a:p>
+            <a:pPr algn="r" eaLnBrk="1" hangingPunct="1">
+              <a:spcBef>
+                <a:spcPct val="0"/>
+              </a:spcBef>
+              <a:buFontTx/>
+              <a:buNone/>
+            </a:pPr>
+            <a:r>
+              <a:rPr lang="ru-RU" altLang="ru-RU" sz="1800" dirty="0">
+                <a:latin typeface="Roboto" panose="02000000000000000000" pitchFamily="2" charset="0"/>
+              </a:rPr>
+              <a:t>Ершов Евгений Валентинович</a:t>
+            </a:r>
+          </a:p>
+        </p:txBody>
+      </p:sp>
+      <p:sp>
+        <p:nvSpPr>
+          <p:cNvPr id="5124" name="TextBox 1">
+            <a:extLst>
+              <a:ext uri="{FF2B5EF4-FFF2-40B4-BE49-F238E27FC236}">
+                <a16:creationId xmlns:a16="http://schemas.microsoft.com/office/drawing/2014/main" id="{085CABBC-5216-22A1-DE6C-D96FBBCF12E3}"/>
+              </a:ext>
+            </a:extLst>
+          </p:cNvPr>
+          <p:cNvSpPr txBox="1">
+            <a:spLocks noChangeArrowheads="1"/>
+          </p:cNvSpPr>
+          <p:nvPr/>
+        </p:nvSpPr>
+        <p:spPr bwMode="auto">
+          <a:xfrm>
+            <a:off x="3872706" y="6237312"/>
+            <a:ext cx="2160587" cy="369887"/>
+          </a:xfrm>
+          <a:prstGeom prst="rect">
+            <a:avLst/>
+          </a:prstGeom>
+          <a:noFill/>
+          <a:ln>
+            <a:noFill/>
+          </a:ln>
+          <a:extLst>
+            <a:ext uri="{909E8E84-426E-40DD-AFC4-6F175D3DCCD1}">
+              <a14:hiddenFill xmlns:a14="http://schemas.microsoft.com/office/drawing/2010/main">
+                <a:solidFill>
+                  <a:srgbClr val="FFFFFF"/>
+                </a:solidFill>
+              </a14:hiddenFill>
+            </a:ext>
+            <a:ext uri="{91240B29-F687-4F45-9708-019B960494DF}">
+              <a14:hiddenLine xmlns:a14="http://schemas.microsoft.com/office/drawing/2010/main" w="9525">
+                <a:solidFill>
+                  <a:srgbClr val="000000"/>
+                </a:solidFill>
+                <a:miter lim="800000"/>
+                <a:headEnd/>
+                <a:tailEnd/>
+              </a14:hiddenLine>
+            </a:ext>
+          </a:extLst>
+        </p:spPr>
+        <p:txBody>
+          <a:bodyPr>
+            <a:spAutoFit/>
+          </a:bodyPr>
+          <a:lstStyle>
+            <a:lvl1pPr>
+              <a:spcBef>
+                <a:spcPct val="20000"/>
+              </a:spcBef>
+              <a:buFont typeface="Arial" panose="020B0604020202020204" pitchFamily="34" charset="0"/>
+              <a:buChar char="•"/>
+              <a:defRPr sz="3200">
+                <a:solidFill>
+                  <a:schemeClr val="tx1"/>
+                </a:solidFill>
+                <a:latin typeface="Calibri" panose="020F0502020204030204" pitchFamily="34" charset="0"/>
+              </a:defRPr>
+            </a:lvl1pPr>
+            <a:lvl2pPr marL="742950" indent="-285750">
+              <a:spcBef>
+                <a:spcPct val="20000"/>
+              </a:spcBef>
+              <a:buFont typeface="Arial" panose="020B0604020202020204" pitchFamily="34" charset="0"/>
+              <a:buChar char="–"/>
+              <a:defRPr sz="2800">
+                <a:solidFill>
+                  <a:schemeClr val="tx1"/>
+                </a:solidFill>
+                <a:latin typeface="Calibri" panose="020F0502020204030204" pitchFamily="34" charset="0"/>
+              </a:defRPr>
+            </a:lvl2pPr>
+            <a:lvl3pPr marL="1143000" indent="-228600">
+              <a:spcBef>
+                <a:spcPct val="20000"/>
+              </a:spcBef>
+              <a:buFont typeface="Arial" panose="020B0604020202020204" pitchFamily="34" charset="0"/>
+              <a:buChar char="•"/>
+              <a:defRPr sz="2400">
+                <a:solidFill>
+                  <a:schemeClr val="tx1"/>
+                </a:solidFill>
+                <a:latin typeface="Calibri" panose="020F0502020204030204" pitchFamily="34" charset="0"/>
+              </a:defRPr>
+            </a:lvl3pPr>
+            <a:lvl4pPr marL="1600200" indent="-228600">
+              <a:spcBef>
+                <a:spcPct val="20000"/>
+              </a:spcBef>
+              <a:buFont typeface="Arial" panose="020B0604020202020204" pitchFamily="34" charset="0"/>
+              <a:buChar char="–"/>
+              <a:defRPr sz="2000">
+                <a:solidFill>
+                  <a:schemeClr val="tx1"/>
+                </a:solidFill>
+                <a:latin typeface="Calibri" panose="020F0502020204030204" pitchFamily="34" charset="0"/>
+              </a:defRPr>
+            </a:lvl4pPr>
+            <a:lvl5pPr marL="2057400" indent="-228600">
+              <a:spcBef>
+                <a:spcPct val="20000"/>
+              </a:spcBef>
+              <a:buFont typeface="Arial" panose="020B0604020202020204" pitchFamily="34" charset="0"/>
+              <a:buChar char="»"/>
+              <a:defRPr sz="2000">
+                <a:solidFill>
+                  <a:schemeClr val="tx1"/>
+                </a:solidFill>
+                <a:latin typeface="Calibri" panose="020F0502020204030204" pitchFamily="34" charset="0"/>
+              </a:defRPr>
+            </a:lvl5pPr>
+            <a:lvl6pPr marL="2514600" indent="-228600" eaLnBrk="0" fontAlgn="base" hangingPunct="0">
+              <a:spcBef>
+                <a:spcPct val="20000"/>
+              </a:spcBef>
+              <a:spcAft>
+                <a:spcPct val="0"/>
+              </a:spcAft>
+              <a:buFont typeface="Arial" panose="020B0604020202020204" pitchFamily="34" charset="0"/>
+              <a:buChar char="»"/>
+              <a:defRPr sz="2000">
+                <a:solidFill>
+                  <a:schemeClr val="tx1"/>
+                </a:solidFill>
+                <a:latin typeface="Calibri" panose="020F0502020204030204" pitchFamily="34" charset="0"/>
+              </a:defRPr>
+            </a:lvl6pPr>
+            <a:lvl7pPr marL="2971800" indent="-228600" eaLnBrk="0" fontAlgn="base" hangingPunct="0">
+              <a:spcBef>
+                <a:spcPct val="20000"/>
+              </a:spcBef>
+              <a:spcAft>
+                <a:spcPct val="0"/>
+              </a:spcAft>
+              <a:buFont typeface="Arial" panose="020B0604020202020204" pitchFamily="34" charset="0"/>
+              <a:buChar char="»"/>
+              <a:defRPr sz="2000">
+                <a:solidFill>
+                  <a:schemeClr val="tx1"/>
+                </a:solidFill>
+                <a:latin typeface="Calibri" panose="020F0502020204030204" pitchFamily="34" charset="0"/>
+              </a:defRPr>
+            </a:lvl7pPr>
+            <a:lvl8pPr marL="3429000" indent="-228600" eaLnBrk="0" fontAlgn="base" hangingPunct="0">
+              <a:spcBef>
+                <a:spcPct val="20000"/>
+              </a:spcBef>
+              <a:spcAft>
+                <a:spcPct val="0"/>
+              </a:spcAft>
+              <a:buFont typeface="Arial" panose="020B0604020202020204" pitchFamily="34" charset="0"/>
+              <a:buChar char="»"/>
+              <a:defRPr sz="2000">
+                <a:solidFill>
+                  <a:schemeClr val="tx1"/>
+                </a:solidFill>
+                <a:latin typeface="Calibri" panose="020F0502020204030204" pitchFamily="34" charset="0"/>
+              </a:defRPr>
+            </a:lvl8pPr>
+            <a:lvl9pPr marL="3886200" indent="-228600" eaLnBrk="0" fontAlgn="base" hangingPunct="0">
+              <a:spcBef>
+                <a:spcPct val="20000"/>
+              </a:spcBef>
+              <a:spcAft>
+                <a:spcPct val="0"/>
+              </a:spcAft>
+              <a:buFont typeface="Arial" panose="020B0604020202020204" pitchFamily="34" charset="0"/>
+              <a:buChar char="»"/>
+              <a:defRPr sz="2000">
+                <a:solidFill>
+                  <a:schemeClr val="tx1"/>
+                </a:solidFill>
+                <a:latin typeface="Calibri" panose="020F0502020204030204" pitchFamily="34" charset="0"/>
+              </a:defRPr>
+            </a:lvl9pPr>
+          </a:lstStyle>
+          <a:p>
+            <a:pPr algn="ctr">
+              <a:spcBef>
+                <a:spcPct val="0"/>
+              </a:spcBef>
+              <a:buFontTx/>
+              <a:buNone/>
+            </a:pPr>
+            <a:r>
+              <a:rPr lang="ru-RU" altLang="ru-RU" sz="1800" dirty="0">
+                <a:latin typeface="Arial" panose="020B0604020202020204" pitchFamily="34" charset="0"/>
+              </a:rPr>
+              <a:t>Череповец, 2022</a:t>
+            </a:r>
+          </a:p>
+        </p:txBody>
+      </p:sp>
+    </p:spTree>
+  </p:cSld>
+  <p:clrMapOvr>
+    <a:masterClrMapping/>
+  </p:clrMapOvr>
+</p:sld>
+</file>
+
+<file path=ppt/slides/slide20.xml><?xml version="1.0" encoding="utf-8"?>
 <p:sld xmlns:a="http://schemas.openxmlformats.org/drawingml/2006/main" xmlns:r="http://schemas.openxmlformats.org/officeDocument/2006/relationships" xmlns:p="http://schemas.openxmlformats.org/presentationml/2006/main">
   <p:cSld>
     <p:spTree>
@@ -8283,7 +9358,7 @@
               <a:rPr lang="ru-RU" altLang="ru-RU" sz="1800" dirty="0">
                 <a:latin typeface="Arial" panose="020B0604020202020204" pitchFamily="34" charset="0"/>
               </a:rPr>
-              <a:t>18</a:t>
+              <a:t>19</a:t>
             </a:r>
           </a:p>
         </p:txBody>
@@ -8342,733 +9417,7 @@
 </p:sld>
 </file>
 
-<file path=ppt/slides/slide2.xml><?xml version="1.0" encoding="utf-8"?>
-<p:sld xmlns:a="http://schemas.openxmlformats.org/drawingml/2006/main" xmlns:r="http://schemas.openxmlformats.org/officeDocument/2006/relationships" xmlns:p="http://schemas.openxmlformats.org/presentationml/2006/main">
-  <p:cSld>
-    <p:spTree>
-      <p:nvGrpSpPr>
-        <p:cNvPr id="1" name=""/>
-        <p:cNvGrpSpPr/>
-        <p:nvPr/>
-      </p:nvGrpSpPr>
-      <p:grpSpPr>
-        <a:xfrm>
-          <a:off x="0" y="0"/>
-          <a:ext cx="0" cy="0"/>
-          <a:chOff x="0" y="0"/>
-          <a:chExt cx="0" cy="0"/>
-        </a:xfrm>
-      </p:grpSpPr>
-      <p:sp>
-        <p:nvSpPr>
-          <p:cNvPr id="6" name="Заголовок 1">
-            <a:extLst>
-              <a:ext uri="{FF2B5EF4-FFF2-40B4-BE49-F238E27FC236}">
-                <a16:creationId xmlns:a16="http://schemas.microsoft.com/office/drawing/2014/main" id="{CEDF5C94-3B6F-4D7B-82FF-515C8363DBC5}"/>
-              </a:ext>
-            </a:extLst>
-          </p:cNvPr>
-          <p:cNvSpPr txBox="1">
-            <a:spLocks/>
-          </p:cNvSpPr>
-          <p:nvPr/>
-        </p:nvSpPr>
-        <p:spPr bwMode="auto">
-          <a:xfrm>
-            <a:off x="849313" y="2130425"/>
-            <a:ext cx="8313737" cy="1585913"/>
-          </a:xfrm>
-          <a:prstGeom prst="rect">
-            <a:avLst/>
-          </a:prstGeom>
-          <a:noFill/>
-          <a:ln>
-            <a:noFill/>
-          </a:ln>
-          <a:extLst>
-            <a:ext uri="{909E8E84-426E-40DD-AFC4-6F175D3DCCD1}">
-              <a14:hiddenFill xmlns:a14="http://schemas.microsoft.com/office/drawing/2010/main">
-                <a:solidFill>
-                  <a:srgbClr val="FFFFFF"/>
-                </a:solidFill>
-              </a14:hiddenFill>
-            </a:ext>
-            <a:ext uri="{91240B29-F687-4F45-9708-019B960494DF}">
-              <a14:hiddenLine xmlns:a14="http://schemas.microsoft.com/office/drawing/2010/main" w="9525">
-                <a:solidFill>
-                  <a:srgbClr val="000000"/>
-                </a:solidFill>
-                <a:miter lim="800000"/>
-                <a:headEnd/>
-                <a:tailEnd/>
-              </a14:hiddenLine>
-            </a:ext>
-          </a:extLst>
-        </p:spPr>
-        <p:txBody>
-          <a:bodyPr anchor="ctr">
-            <a:normAutofit fontScale="97500"/>
-          </a:bodyPr>
-          <a:lstStyle>
-            <a:lvl1pPr algn="r" rtl="0" eaLnBrk="0" fontAlgn="base" hangingPunct="0">
-              <a:spcBef>
-                <a:spcPct val="0"/>
-              </a:spcBef>
-              <a:spcAft>
-                <a:spcPct val="0"/>
-              </a:spcAft>
-              <a:defRPr sz="2800" b="1" kern="1200">
-                <a:solidFill>
-                  <a:srgbClr val="C00000"/>
-                </a:solidFill>
-                <a:latin typeface="+mn-lt"/>
-                <a:ea typeface="+mj-ea"/>
-                <a:cs typeface="Arial" pitchFamily="34" charset="0"/>
-              </a:defRPr>
-            </a:lvl1pPr>
-            <a:lvl2pPr algn="ctr" rtl="0" eaLnBrk="0" fontAlgn="base" hangingPunct="0">
-              <a:spcBef>
-                <a:spcPct val="0"/>
-              </a:spcBef>
-              <a:spcAft>
-                <a:spcPct val="0"/>
-              </a:spcAft>
-              <a:defRPr sz="4400">
-                <a:solidFill>
-                  <a:schemeClr val="tx1"/>
-                </a:solidFill>
-                <a:latin typeface="Calibri" pitchFamily="34" charset="0"/>
-              </a:defRPr>
-            </a:lvl2pPr>
-            <a:lvl3pPr algn="ctr" rtl="0" eaLnBrk="0" fontAlgn="base" hangingPunct="0">
-              <a:spcBef>
-                <a:spcPct val="0"/>
-              </a:spcBef>
-              <a:spcAft>
-                <a:spcPct val="0"/>
-              </a:spcAft>
-              <a:defRPr sz="4400">
-                <a:solidFill>
-                  <a:schemeClr val="tx1"/>
-                </a:solidFill>
-                <a:latin typeface="Calibri" pitchFamily="34" charset="0"/>
-              </a:defRPr>
-            </a:lvl3pPr>
-            <a:lvl4pPr algn="ctr" rtl="0" eaLnBrk="0" fontAlgn="base" hangingPunct="0">
-              <a:spcBef>
-                <a:spcPct val="0"/>
-              </a:spcBef>
-              <a:spcAft>
-                <a:spcPct val="0"/>
-              </a:spcAft>
-              <a:defRPr sz="4400">
-                <a:solidFill>
-                  <a:schemeClr val="tx1"/>
-                </a:solidFill>
-                <a:latin typeface="Calibri" pitchFamily="34" charset="0"/>
-              </a:defRPr>
-            </a:lvl4pPr>
-            <a:lvl5pPr algn="ctr" rtl="0" eaLnBrk="0" fontAlgn="base" hangingPunct="0">
-              <a:spcBef>
-                <a:spcPct val="0"/>
-              </a:spcBef>
-              <a:spcAft>
-                <a:spcPct val="0"/>
-              </a:spcAft>
-              <a:defRPr sz="4400">
-                <a:solidFill>
-                  <a:schemeClr val="tx1"/>
-                </a:solidFill>
-                <a:latin typeface="Calibri" pitchFamily="34" charset="0"/>
-              </a:defRPr>
-            </a:lvl5pPr>
-            <a:lvl6pPr marL="457200" algn="ctr" rtl="0" fontAlgn="base">
-              <a:spcBef>
-                <a:spcPct val="0"/>
-              </a:spcBef>
-              <a:spcAft>
-                <a:spcPct val="0"/>
-              </a:spcAft>
-              <a:defRPr sz="4400">
-                <a:solidFill>
-                  <a:schemeClr val="tx1"/>
-                </a:solidFill>
-                <a:latin typeface="Calibri" pitchFamily="34" charset="0"/>
-              </a:defRPr>
-            </a:lvl6pPr>
-            <a:lvl7pPr marL="914400" algn="ctr" rtl="0" fontAlgn="base">
-              <a:spcBef>
-                <a:spcPct val="0"/>
-              </a:spcBef>
-              <a:spcAft>
-                <a:spcPct val="0"/>
-              </a:spcAft>
-              <a:defRPr sz="4400">
-                <a:solidFill>
-                  <a:schemeClr val="tx1"/>
-                </a:solidFill>
-                <a:latin typeface="Calibri" pitchFamily="34" charset="0"/>
-              </a:defRPr>
-            </a:lvl7pPr>
-            <a:lvl8pPr marL="1371600" algn="ctr" rtl="0" fontAlgn="base">
-              <a:spcBef>
-                <a:spcPct val="0"/>
-              </a:spcBef>
-              <a:spcAft>
-                <a:spcPct val="0"/>
-              </a:spcAft>
-              <a:defRPr sz="4400">
-                <a:solidFill>
-                  <a:schemeClr val="tx1"/>
-                </a:solidFill>
-                <a:latin typeface="Calibri" pitchFamily="34" charset="0"/>
-              </a:defRPr>
-            </a:lvl8pPr>
-            <a:lvl9pPr marL="1828800" algn="ctr" rtl="0" fontAlgn="base">
-              <a:spcBef>
-                <a:spcPct val="0"/>
-              </a:spcBef>
-              <a:spcAft>
-                <a:spcPct val="0"/>
-              </a:spcAft>
-              <a:defRPr sz="4400">
-                <a:solidFill>
-                  <a:schemeClr val="tx1"/>
-                </a:solidFill>
-                <a:latin typeface="Calibri" pitchFamily="34" charset="0"/>
-              </a:defRPr>
-            </a:lvl9pPr>
-          </a:lstStyle>
-          <a:p>
-            <a:pPr algn="ctr" eaLnBrk="1" fontAlgn="auto" hangingPunct="1">
-              <a:spcAft>
-                <a:spcPts val="0"/>
-              </a:spcAft>
-              <a:defRPr/>
-            </a:pPr>
-            <a:r>
-              <a:rPr lang="ru-RU" b="0" dirty="0">
-                <a:solidFill>
-                  <a:schemeClr val="tx1"/>
-                </a:solidFill>
-              </a:rPr>
-              <a:t>Разработка программного обеспечения </a:t>
-            </a:r>
-            <a:r>
-              <a:rPr lang="ru-RU" b="0" dirty="0" err="1">
-                <a:solidFill>
-                  <a:schemeClr val="tx1"/>
-                </a:solidFill>
-              </a:rPr>
-              <a:t>скелетизации</a:t>
-            </a:r>
-            <a:r>
-              <a:rPr lang="ru-RU" b="0" dirty="0">
-                <a:solidFill>
-                  <a:schemeClr val="tx1"/>
-                </a:solidFill>
-              </a:rPr>
-              <a:t> </a:t>
-            </a:r>
-          </a:p>
-          <a:p>
-            <a:pPr algn="ctr" eaLnBrk="1" fontAlgn="auto" hangingPunct="1">
-              <a:spcAft>
-                <a:spcPts val="0"/>
-              </a:spcAft>
-              <a:defRPr/>
-            </a:pPr>
-            <a:r>
-              <a:rPr lang="ru-RU" b="0" dirty="0">
-                <a:solidFill>
-                  <a:schemeClr val="tx1"/>
-                </a:solidFill>
-              </a:rPr>
-              <a:t>изображений человека для контроля опасных действий</a:t>
-            </a:r>
-          </a:p>
-        </p:txBody>
-      </p:sp>
-      <p:sp>
-        <p:nvSpPr>
-          <p:cNvPr id="5123" name="TextBox 2">
-            <a:extLst>
-              <a:ext uri="{FF2B5EF4-FFF2-40B4-BE49-F238E27FC236}">
-                <a16:creationId xmlns:a16="http://schemas.microsoft.com/office/drawing/2014/main" id="{2D65BC3C-5F45-0CA9-3658-37B67A9E718E}"/>
-              </a:ext>
-            </a:extLst>
-          </p:cNvPr>
-          <p:cNvSpPr txBox="1">
-            <a:spLocks noChangeArrowheads="1"/>
-          </p:cNvSpPr>
-          <p:nvPr/>
-        </p:nvSpPr>
-        <p:spPr bwMode="auto">
-          <a:xfrm>
-            <a:off x="5600700" y="3789363"/>
-            <a:ext cx="3889375" cy="1754187"/>
-          </a:xfrm>
-          <a:prstGeom prst="rect">
-            <a:avLst/>
-          </a:prstGeom>
-          <a:noFill/>
-          <a:ln>
-            <a:noFill/>
-          </a:ln>
-          <a:extLst>
-            <a:ext uri="{909E8E84-426E-40DD-AFC4-6F175D3DCCD1}">
-              <a14:hiddenFill xmlns:a14="http://schemas.microsoft.com/office/drawing/2010/main">
-                <a:solidFill>
-                  <a:srgbClr val="FFFFFF"/>
-                </a:solidFill>
-              </a14:hiddenFill>
-            </a:ext>
-            <a:ext uri="{91240B29-F687-4F45-9708-019B960494DF}">
-              <a14:hiddenLine xmlns:a14="http://schemas.microsoft.com/office/drawing/2010/main" w="9525">
-                <a:solidFill>
-                  <a:srgbClr val="000000"/>
-                </a:solidFill>
-                <a:miter lim="800000"/>
-                <a:headEnd/>
-                <a:tailEnd/>
-              </a14:hiddenLine>
-            </a:ext>
-          </a:extLst>
-        </p:spPr>
-        <p:txBody>
-          <a:bodyPr>
-            <a:spAutoFit/>
-          </a:bodyPr>
-          <a:lstStyle>
-            <a:lvl1pPr>
-              <a:spcBef>
-                <a:spcPct val="20000"/>
-              </a:spcBef>
-              <a:buFont typeface="Arial" panose="020B0604020202020204" pitchFamily="34" charset="0"/>
-              <a:buChar char="•"/>
-              <a:defRPr sz="3200">
-                <a:solidFill>
-                  <a:schemeClr val="tx1"/>
-                </a:solidFill>
-                <a:latin typeface="Calibri" panose="020F0502020204030204" pitchFamily="34" charset="0"/>
-              </a:defRPr>
-            </a:lvl1pPr>
-            <a:lvl2pPr marL="742950" indent="-285750">
-              <a:spcBef>
-                <a:spcPct val="20000"/>
-              </a:spcBef>
-              <a:buFont typeface="Arial" panose="020B0604020202020204" pitchFamily="34" charset="0"/>
-              <a:buChar char="–"/>
-              <a:defRPr sz="2800">
-                <a:solidFill>
-                  <a:schemeClr val="tx1"/>
-                </a:solidFill>
-                <a:latin typeface="Calibri" panose="020F0502020204030204" pitchFamily="34" charset="0"/>
-              </a:defRPr>
-            </a:lvl2pPr>
-            <a:lvl3pPr marL="1143000" indent="-228600">
-              <a:spcBef>
-                <a:spcPct val="20000"/>
-              </a:spcBef>
-              <a:buFont typeface="Arial" panose="020B0604020202020204" pitchFamily="34" charset="0"/>
-              <a:buChar char="•"/>
-              <a:defRPr sz="2400">
-                <a:solidFill>
-                  <a:schemeClr val="tx1"/>
-                </a:solidFill>
-                <a:latin typeface="Calibri" panose="020F0502020204030204" pitchFamily="34" charset="0"/>
-              </a:defRPr>
-            </a:lvl3pPr>
-            <a:lvl4pPr marL="1600200" indent="-228600">
-              <a:spcBef>
-                <a:spcPct val="20000"/>
-              </a:spcBef>
-              <a:buFont typeface="Arial" panose="020B0604020202020204" pitchFamily="34" charset="0"/>
-              <a:buChar char="–"/>
-              <a:defRPr sz="2000">
-                <a:solidFill>
-                  <a:schemeClr val="tx1"/>
-                </a:solidFill>
-                <a:latin typeface="Calibri" panose="020F0502020204030204" pitchFamily="34" charset="0"/>
-              </a:defRPr>
-            </a:lvl4pPr>
-            <a:lvl5pPr marL="2057400" indent="-228600">
-              <a:spcBef>
-                <a:spcPct val="20000"/>
-              </a:spcBef>
-              <a:buFont typeface="Arial" panose="020B0604020202020204" pitchFamily="34" charset="0"/>
-              <a:buChar char="»"/>
-              <a:defRPr sz="2000">
-                <a:solidFill>
-                  <a:schemeClr val="tx1"/>
-                </a:solidFill>
-                <a:latin typeface="Calibri" panose="020F0502020204030204" pitchFamily="34" charset="0"/>
-              </a:defRPr>
-            </a:lvl5pPr>
-            <a:lvl6pPr marL="2514600" indent="-228600" eaLnBrk="0" fontAlgn="base" hangingPunct="0">
-              <a:spcBef>
-                <a:spcPct val="20000"/>
-              </a:spcBef>
-              <a:spcAft>
-                <a:spcPct val="0"/>
-              </a:spcAft>
-              <a:buFont typeface="Arial" panose="020B0604020202020204" pitchFamily="34" charset="0"/>
-              <a:buChar char="»"/>
-              <a:defRPr sz="2000">
-                <a:solidFill>
-                  <a:schemeClr val="tx1"/>
-                </a:solidFill>
-                <a:latin typeface="Calibri" panose="020F0502020204030204" pitchFamily="34" charset="0"/>
-              </a:defRPr>
-            </a:lvl6pPr>
-            <a:lvl7pPr marL="2971800" indent="-228600" eaLnBrk="0" fontAlgn="base" hangingPunct="0">
-              <a:spcBef>
-                <a:spcPct val="20000"/>
-              </a:spcBef>
-              <a:spcAft>
-                <a:spcPct val="0"/>
-              </a:spcAft>
-              <a:buFont typeface="Arial" panose="020B0604020202020204" pitchFamily="34" charset="0"/>
-              <a:buChar char="»"/>
-              <a:defRPr sz="2000">
-                <a:solidFill>
-                  <a:schemeClr val="tx1"/>
-                </a:solidFill>
-                <a:latin typeface="Calibri" panose="020F0502020204030204" pitchFamily="34" charset="0"/>
-              </a:defRPr>
-            </a:lvl7pPr>
-            <a:lvl8pPr marL="3429000" indent="-228600" eaLnBrk="0" fontAlgn="base" hangingPunct="0">
-              <a:spcBef>
-                <a:spcPct val="20000"/>
-              </a:spcBef>
-              <a:spcAft>
-                <a:spcPct val="0"/>
-              </a:spcAft>
-              <a:buFont typeface="Arial" panose="020B0604020202020204" pitchFamily="34" charset="0"/>
-              <a:buChar char="»"/>
-              <a:defRPr sz="2000">
-                <a:solidFill>
-                  <a:schemeClr val="tx1"/>
-                </a:solidFill>
-                <a:latin typeface="Calibri" panose="020F0502020204030204" pitchFamily="34" charset="0"/>
-              </a:defRPr>
-            </a:lvl8pPr>
-            <a:lvl9pPr marL="3886200" indent="-228600" eaLnBrk="0" fontAlgn="base" hangingPunct="0">
-              <a:spcBef>
-                <a:spcPct val="20000"/>
-              </a:spcBef>
-              <a:spcAft>
-                <a:spcPct val="0"/>
-              </a:spcAft>
-              <a:buFont typeface="Arial" panose="020B0604020202020204" pitchFamily="34" charset="0"/>
-              <a:buChar char="»"/>
-              <a:defRPr sz="2000">
-                <a:solidFill>
-                  <a:schemeClr val="tx1"/>
-                </a:solidFill>
-                <a:latin typeface="Calibri" panose="020F0502020204030204" pitchFamily="34" charset="0"/>
-              </a:defRPr>
-            </a:lvl9pPr>
-          </a:lstStyle>
-          <a:p>
-            <a:pPr algn="r" eaLnBrk="1" hangingPunct="1">
-              <a:spcBef>
-                <a:spcPct val="0"/>
-              </a:spcBef>
-              <a:buFontTx/>
-              <a:buNone/>
-            </a:pPr>
-            <a:r>
-              <a:rPr lang="ru-RU" altLang="ru-RU" sz="1800" dirty="0">
-                <a:latin typeface="Roboto" panose="02000000000000000000" pitchFamily="2" charset="0"/>
-              </a:rPr>
-              <a:t>Выполнил:</a:t>
-            </a:r>
-          </a:p>
-          <a:p>
-            <a:pPr algn="r" eaLnBrk="1" hangingPunct="1">
-              <a:spcBef>
-                <a:spcPct val="0"/>
-              </a:spcBef>
-              <a:buFontTx/>
-              <a:buNone/>
-            </a:pPr>
-            <a:r>
-              <a:rPr lang="ru-RU" altLang="ru-RU" sz="1800" dirty="0">
-                <a:latin typeface="Roboto" panose="02000000000000000000" pitchFamily="2" charset="0"/>
-              </a:rPr>
-              <a:t>Студент гр. 1ПИб-01-41Оп</a:t>
-            </a:r>
-          </a:p>
-          <a:p>
-            <a:pPr algn="r" eaLnBrk="1" hangingPunct="1">
-              <a:spcBef>
-                <a:spcPct val="0"/>
-              </a:spcBef>
-              <a:buFontTx/>
-              <a:buNone/>
-            </a:pPr>
-            <a:r>
-              <a:rPr lang="ru-RU" altLang="ru-RU" sz="1800" dirty="0">
-                <a:latin typeface="Roboto" panose="02000000000000000000" pitchFamily="2" charset="0"/>
-              </a:rPr>
-              <a:t>Богданов Александр Павлович</a:t>
-            </a:r>
-          </a:p>
-          <a:p>
-            <a:pPr algn="r" eaLnBrk="1" hangingPunct="1">
-              <a:spcBef>
-                <a:spcPct val="0"/>
-              </a:spcBef>
-              <a:buFontTx/>
-              <a:buNone/>
-            </a:pPr>
-            <a:r>
-              <a:rPr lang="ru-RU" altLang="ru-RU" sz="1800" dirty="0">
-                <a:latin typeface="Roboto" panose="02000000000000000000" pitchFamily="2" charset="0"/>
-              </a:rPr>
-              <a:t>Руководитель:</a:t>
-            </a:r>
-          </a:p>
-          <a:p>
-            <a:pPr algn="r" eaLnBrk="1" hangingPunct="1">
-              <a:spcBef>
-                <a:spcPct val="0"/>
-              </a:spcBef>
-              <a:buFontTx/>
-              <a:buNone/>
-            </a:pPr>
-            <a:r>
-              <a:rPr lang="ru-RU" altLang="ru-RU" sz="1800" dirty="0">
-                <a:latin typeface="Roboto" panose="02000000000000000000" pitchFamily="2" charset="0"/>
-              </a:rPr>
-              <a:t>д.т.н., профессор</a:t>
-            </a:r>
-          </a:p>
-          <a:p>
-            <a:pPr algn="r" eaLnBrk="1" hangingPunct="1">
-              <a:spcBef>
-                <a:spcPct val="0"/>
-              </a:spcBef>
-              <a:buFontTx/>
-              <a:buNone/>
-            </a:pPr>
-            <a:r>
-              <a:rPr lang="ru-RU" altLang="ru-RU" sz="1800" dirty="0">
-                <a:latin typeface="Roboto" panose="02000000000000000000" pitchFamily="2" charset="0"/>
-              </a:rPr>
-              <a:t>Ершов Евгений Валентинович</a:t>
-            </a:r>
-          </a:p>
-        </p:txBody>
-      </p:sp>
-      <p:sp>
-        <p:nvSpPr>
-          <p:cNvPr id="5124" name="TextBox 1">
-            <a:extLst>
-              <a:ext uri="{FF2B5EF4-FFF2-40B4-BE49-F238E27FC236}">
-                <a16:creationId xmlns:a16="http://schemas.microsoft.com/office/drawing/2014/main" id="{085CABBC-5216-22A1-DE6C-D96FBBCF12E3}"/>
-              </a:ext>
-            </a:extLst>
-          </p:cNvPr>
-          <p:cNvSpPr txBox="1">
-            <a:spLocks noChangeArrowheads="1"/>
-          </p:cNvSpPr>
-          <p:nvPr/>
-        </p:nvSpPr>
-        <p:spPr bwMode="auto">
-          <a:xfrm>
-            <a:off x="3872706" y="6237312"/>
-            <a:ext cx="2160587" cy="369887"/>
-          </a:xfrm>
-          <a:prstGeom prst="rect">
-            <a:avLst/>
-          </a:prstGeom>
-          <a:noFill/>
-          <a:ln>
-            <a:noFill/>
-          </a:ln>
-          <a:extLst>
-            <a:ext uri="{909E8E84-426E-40DD-AFC4-6F175D3DCCD1}">
-              <a14:hiddenFill xmlns:a14="http://schemas.microsoft.com/office/drawing/2010/main">
-                <a:solidFill>
-                  <a:srgbClr val="FFFFFF"/>
-                </a:solidFill>
-              </a14:hiddenFill>
-            </a:ext>
-            <a:ext uri="{91240B29-F687-4F45-9708-019B960494DF}">
-              <a14:hiddenLine xmlns:a14="http://schemas.microsoft.com/office/drawing/2010/main" w="9525">
-                <a:solidFill>
-                  <a:srgbClr val="000000"/>
-                </a:solidFill>
-                <a:miter lim="800000"/>
-                <a:headEnd/>
-                <a:tailEnd/>
-              </a14:hiddenLine>
-            </a:ext>
-          </a:extLst>
-        </p:spPr>
-        <p:txBody>
-          <a:bodyPr>
-            <a:spAutoFit/>
-          </a:bodyPr>
-          <a:lstStyle>
-            <a:lvl1pPr>
-              <a:spcBef>
-                <a:spcPct val="20000"/>
-              </a:spcBef>
-              <a:buFont typeface="Arial" panose="020B0604020202020204" pitchFamily="34" charset="0"/>
-              <a:buChar char="•"/>
-              <a:defRPr sz="3200">
-                <a:solidFill>
-                  <a:schemeClr val="tx1"/>
-                </a:solidFill>
-                <a:latin typeface="Calibri" panose="020F0502020204030204" pitchFamily="34" charset="0"/>
-              </a:defRPr>
-            </a:lvl1pPr>
-            <a:lvl2pPr marL="742950" indent="-285750">
-              <a:spcBef>
-                <a:spcPct val="20000"/>
-              </a:spcBef>
-              <a:buFont typeface="Arial" panose="020B0604020202020204" pitchFamily="34" charset="0"/>
-              <a:buChar char="–"/>
-              <a:defRPr sz="2800">
-                <a:solidFill>
-                  <a:schemeClr val="tx1"/>
-                </a:solidFill>
-                <a:latin typeface="Calibri" panose="020F0502020204030204" pitchFamily="34" charset="0"/>
-              </a:defRPr>
-            </a:lvl2pPr>
-            <a:lvl3pPr marL="1143000" indent="-228600">
-              <a:spcBef>
-                <a:spcPct val="20000"/>
-              </a:spcBef>
-              <a:buFont typeface="Arial" panose="020B0604020202020204" pitchFamily="34" charset="0"/>
-              <a:buChar char="•"/>
-              <a:defRPr sz="2400">
-                <a:solidFill>
-                  <a:schemeClr val="tx1"/>
-                </a:solidFill>
-                <a:latin typeface="Calibri" panose="020F0502020204030204" pitchFamily="34" charset="0"/>
-              </a:defRPr>
-            </a:lvl3pPr>
-            <a:lvl4pPr marL="1600200" indent="-228600">
-              <a:spcBef>
-                <a:spcPct val="20000"/>
-              </a:spcBef>
-              <a:buFont typeface="Arial" panose="020B0604020202020204" pitchFamily="34" charset="0"/>
-              <a:buChar char="–"/>
-              <a:defRPr sz="2000">
-                <a:solidFill>
-                  <a:schemeClr val="tx1"/>
-                </a:solidFill>
-                <a:latin typeface="Calibri" panose="020F0502020204030204" pitchFamily="34" charset="0"/>
-              </a:defRPr>
-            </a:lvl4pPr>
-            <a:lvl5pPr marL="2057400" indent="-228600">
-              <a:spcBef>
-                <a:spcPct val="20000"/>
-              </a:spcBef>
-              <a:buFont typeface="Arial" panose="020B0604020202020204" pitchFamily="34" charset="0"/>
-              <a:buChar char="»"/>
-              <a:defRPr sz="2000">
-                <a:solidFill>
-                  <a:schemeClr val="tx1"/>
-                </a:solidFill>
-                <a:latin typeface="Calibri" panose="020F0502020204030204" pitchFamily="34" charset="0"/>
-              </a:defRPr>
-            </a:lvl5pPr>
-            <a:lvl6pPr marL="2514600" indent="-228600" eaLnBrk="0" fontAlgn="base" hangingPunct="0">
-              <a:spcBef>
-                <a:spcPct val="20000"/>
-              </a:spcBef>
-              <a:spcAft>
-                <a:spcPct val="0"/>
-              </a:spcAft>
-              <a:buFont typeface="Arial" panose="020B0604020202020204" pitchFamily="34" charset="0"/>
-              <a:buChar char="»"/>
-              <a:defRPr sz="2000">
-                <a:solidFill>
-                  <a:schemeClr val="tx1"/>
-                </a:solidFill>
-                <a:latin typeface="Calibri" panose="020F0502020204030204" pitchFamily="34" charset="0"/>
-              </a:defRPr>
-            </a:lvl6pPr>
-            <a:lvl7pPr marL="2971800" indent="-228600" eaLnBrk="0" fontAlgn="base" hangingPunct="0">
-              <a:spcBef>
-                <a:spcPct val="20000"/>
-              </a:spcBef>
-              <a:spcAft>
-                <a:spcPct val="0"/>
-              </a:spcAft>
-              <a:buFont typeface="Arial" panose="020B0604020202020204" pitchFamily="34" charset="0"/>
-              <a:buChar char="»"/>
-              <a:defRPr sz="2000">
-                <a:solidFill>
-                  <a:schemeClr val="tx1"/>
-                </a:solidFill>
-                <a:latin typeface="Calibri" panose="020F0502020204030204" pitchFamily="34" charset="0"/>
-              </a:defRPr>
-            </a:lvl7pPr>
-            <a:lvl8pPr marL="3429000" indent="-228600" eaLnBrk="0" fontAlgn="base" hangingPunct="0">
-              <a:spcBef>
-                <a:spcPct val="20000"/>
-              </a:spcBef>
-              <a:spcAft>
-                <a:spcPct val="0"/>
-              </a:spcAft>
-              <a:buFont typeface="Arial" panose="020B0604020202020204" pitchFamily="34" charset="0"/>
-              <a:buChar char="»"/>
-              <a:defRPr sz="2000">
-                <a:solidFill>
-                  <a:schemeClr val="tx1"/>
-                </a:solidFill>
-                <a:latin typeface="Calibri" panose="020F0502020204030204" pitchFamily="34" charset="0"/>
-              </a:defRPr>
-            </a:lvl8pPr>
-            <a:lvl9pPr marL="3886200" indent="-228600" eaLnBrk="0" fontAlgn="base" hangingPunct="0">
-              <a:spcBef>
-                <a:spcPct val="20000"/>
-              </a:spcBef>
-              <a:spcAft>
-                <a:spcPct val="0"/>
-              </a:spcAft>
-              <a:buFont typeface="Arial" panose="020B0604020202020204" pitchFamily="34" charset="0"/>
-              <a:buChar char="»"/>
-              <a:defRPr sz="2000">
-                <a:solidFill>
-                  <a:schemeClr val="tx1"/>
-                </a:solidFill>
-                <a:latin typeface="Calibri" panose="020F0502020204030204" pitchFamily="34" charset="0"/>
-              </a:defRPr>
-            </a:lvl9pPr>
-          </a:lstStyle>
-          <a:p>
-            <a:pPr algn="ctr">
-              <a:spcBef>
-                <a:spcPct val="0"/>
-              </a:spcBef>
-              <a:buFontTx/>
-              <a:buNone/>
-            </a:pPr>
-            <a:r>
-              <a:rPr lang="ru-RU" altLang="ru-RU" sz="1800" dirty="0">
-                <a:latin typeface="Arial" panose="020B0604020202020204" pitchFamily="34" charset="0"/>
-              </a:rPr>
-              <a:t>Череповец, 2022</a:t>
-            </a:r>
-          </a:p>
-        </p:txBody>
-      </p:sp>
-    </p:spTree>
-  </p:cSld>
-  <p:clrMapOvr>
-    <a:masterClrMapping/>
-  </p:clrMapOvr>
-</p:sld>
-</file>
-
-<file path=ppt/slides/slide20.xml><?xml version="1.0" encoding="utf-8"?>
+<file path=ppt/slides/slide21.xml><?xml version="1.0" encoding="utf-8"?>
 <p:sld xmlns:a="http://schemas.openxmlformats.org/drawingml/2006/main" xmlns:r="http://schemas.openxmlformats.org/officeDocument/2006/relationships" xmlns:p="http://schemas.openxmlformats.org/presentationml/2006/main">
   <p:cSld>
     <p:spTree>
@@ -9339,7 +9688,7 @@
               <a:rPr lang="ru-RU" altLang="ru-RU" sz="1800" dirty="0">
                 <a:latin typeface="Arial" panose="020B0604020202020204" pitchFamily="34" charset="0"/>
               </a:rPr>
-              <a:t>19</a:t>
+              <a:t>20</a:t>
             </a:r>
           </a:p>
         </p:txBody>
@@ -9398,7 +9747,7 @@
 </p:sld>
 </file>
 
-<file path=ppt/slides/slide21.xml><?xml version="1.0" encoding="utf-8"?>
+<file path=ppt/slides/slide22.xml><?xml version="1.0" encoding="utf-8"?>
 <p:sld xmlns:a="http://schemas.openxmlformats.org/drawingml/2006/main" xmlns:r="http://schemas.openxmlformats.org/officeDocument/2006/relationships" xmlns:p="http://schemas.openxmlformats.org/presentationml/2006/main">
   <p:cSld>
     <p:spTree>
@@ -9669,7 +10018,7 @@
               <a:rPr lang="ru-RU" altLang="ru-RU" sz="1800" dirty="0">
                 <a:latin typeface="Arial" panose="020B0604020202020204" pitchFamily="34" charset="0"/>
               </a:rPr>
-              <a:t>20</a:t>
+              <a:t>21</a:t>
             </a:r>
           </a:p>
         </p:txBody>
@@ -9728,7 +10077,7 @@
 </p:sld>
 </file>
 
-<file path=ppt/slides/slide22.xml><?xml version="1.0" encoding="utf-8"?>
+<file path=ppt/slides/slide23.xml><?xml version="1.0" encoding="utf-8"?>
 <p:sld xmlns:a="http://schemas.openxmlformats.org/drawingml/2006/main" xmlns:r="http://schemas.openxmlformats.org/officeDocument/2006/relationships" xmlns:p="http://schemas.openxmlformats.org/presentationml/2006/main">
   <p:cSld>
     <p:spTree>
@@ -10179,7 +10528,7 @@
               <a:rPr lang="ru-RU" altLang="ru-RU" sz="1800" dirty="0">
                 <a:latin typeface="Arial" panose="020B0604020202020204" pitchFamily="34" charset="0"/>
               </a:rPr>
-              <a:t>21</a:t>
+              <a:t>22</a:t>
             </a:r>
           </a:p>
         </p:txBody>
@@ -10233,7 +10582,7 @@
 </p:sld>
 </file>
 
-<file path=ppt/slides/slide23.xml><?xml version="1.0" encoding="utf-8"?>
+<file path=ppt/slides/slide24.xml><?xml version="1.0" encoding="utf-8"?>
 <p:sld xmlns:a="http://schemas.openxmlformats.org/drawingml/2006/main" xmlns:r="http://schemas.openxmlformats.org/officeDocument/2006/relationships" xmlns:p="http://schemas.openxmlformats.org/presentationml/2006/main">
   <p:cSld>
     <p:spTree>
@@ -10684,7 +11033,7 @@
               <a:rPr lang="ru-RU" altLang="ru-RU" sz="1800" dirty="0">
                 <a:latin typeface="Arial" panose="020B0604020202020204" pitchFamily="34" charset="0"/>
               </a:rPr>
-              <a:t>22</a:t>
+              <a:t>23</a:t>
             </a:r>
           </a:p>
         </p:txBody>
@@ -10738,7 +11087,7 @@
 </p:sld>
 </file>
 
-<file path=ppt/slides/slide24.xml><?xml version="1.0" encoding="utf-8"?>
+<file path=ppt/slides/slide25.xml><?xml version="1.0" encoding="utf-8"?>
 <p:sld xmlns:a="http://schemas.openxmlformats.org/drawingml/2006/main" xmlns:r="http://schemas.openxmlformats.org/officeDocument/2006/relationships" xmlns:p="http://schemas.openxmlformats.org/presentationml/2006/main">
   <p:cSld>
     <p:spTree>
@@ -11189,7 +11538,7 @@
               <a:rPr lang="ru-RU" altLang="ru-RU" sz="1800" dirty="0">
                 <a:latin typeface="Arial" panose="020B0604020202020204" pitchFamily="34" charset="0"/>
               </a:rPr>
-              <a:t>23</a:t>
+              <a:t>24</a:t>
             </a:r>
           </a:p>
         </p:txBody>
@@ -11243,7 +11592,7 @@
 </p:sld>
 </file>
 
-<file path=ppt/slides/slide25.xml><?xml version="1.0" encoding="utf-8"?>
+<file path=ppt/slides/slide26.xml><?xml version="1.0" encoding="utf-8"?>
 <p:sld xmlns:a="http://schemas.openxmlformats.org/drawingml/2006/main" xmlns:r="http://schemas.openxmlformats.org/officeDocument/2006/relationships" xmlns:p="http://schemas.openxmlformats.org/presentationml/2006/main">
   <p:cSld>
     <p:spTree>
@@ -12922,7 +13271,7 @@
               <a:rPr lang="ru-RU" altLang="ru-RU" sz="1800" dirty="0">
                 <a:latin typeface="Arial" panose="020B0604020202020204" pitchFamily="34" charset="0"/>
               </a:rPr>
-              <a:t>24</a:t>
+              <a:t>25</a:t>
             </a:r>
           </a:p>
         </p:txBody>
@@ -12935,7 +13284,7 @@
 </p:sld>
 </file>
 
-<file path=ppt/slides/slide26.xml><?xml version="1.0" encoding="utf-8"?>
+<file path=ppt/slides/slide27.xml><?xml version="1.0" encoding="utf-8"?>
 <p:sld xmlns:a="http://schemas.openxmlformats.org/drawingml/2006/main" xmlns:r="http://schemas.openxmlformats.org/officeDocument/2006/relationships" xmlns:p="http://schemas.openxmlformats.org/presentationml/2006/main">
   <p:cSld>
     <p:spTree>
@@ -13181,13 +13530,13 @@
               <a:rPr lang="ru-RU" altLang="ru-RU" sz="1800" dirty="0">
                 <a:latin typeface="Arial" panose="020B0604020202020204" pitchFamily="34" charset="0"/>
               </a:rPr>
-              <a:t>25</a:t>
+              <a:t>26</a:t>
             </a:r>
           </a:p>
         </p:txBody>
       </p:sp>
-      <mc:AlternateContent xmlns:mc="http://schemas.openxmlformats.org/markup-compatibility/2006">
-        <mc:Choice xmlns:a14="http://schemas.microsoft.com/office/drawing/2010/main" Requires="a14">
+      <mc:AlternateContent xmlns:mc="http://schemas.openxmlformats.org/markup-compatibility/2006" xmlns:a14="http://schemas.microsoft.com/office/drawing/2010/main">
+        <mc:Choice Requires="a14">
           <p:sp>
             <p:nvSpPr>
               <p:cNvPr id="5" name="Объект 4">
@@ -13231,6 +13580,7 @@
                           <m:ctrlPr>
                             <a:rPr lang="ru-RU" i="1" smtClean="0">
                               <a:effectLst/>
+                              <a:latin typeface="Cambria Math" panose="02040503050406030204" pitchFamily="18" charset="0"/>
                               <a:ea typeface="Calibri" panose="020F0502020204030204" pitchFamily="34" charset="0"/>
                               <a:cs typeface="Times New Roman" panose="02020603050405020304" pitchFamily="18" charset="0"/>
                             </a:rPr>
@@ -13240,6 +13590,7 @@
                           <m:r>
                             <a:rPr lang="ru-RU" i="1">
                               <a:effectLst/>
+                              <a:latin typeface="Cambria Math" panose="02040503050406030204" pitchFamily="18" charset="0"/>
                               <a:ea typeface="Calibri" panose="020F0502020204030204" pitchFamily="34" charset="0"/>
                               <a:cs typeface="Times New Roman" panose="02020603050405020304" pitchFamily="18" charset="0"/>
                             </a:rPr>
@@ -13277,6 +13628,7 @@
                             <a:srgbClr val="000000"/>
                           </a:solidFill>
                           <a:effectLst/>
+                          <a:latin typeface="Cambria Math" panose="02040503050406030204" pitchFamily="18" charset="0"/>
                           <a:ea typeface="Calibri" panose="020F0502020204030204" pitchFamily="34" charset="0"/>
                           <a:cs typeface="Times New Roman" panose="02020603050405020304" pitchFamily="18" charset="0"/>
                         </a:rPr>
@@ -13288,6 +13640,7 @@
                             <a:srgbClr val="000000"/>
                           </a:solidFill>
                           <a:effectLst/>
+                          <a:latin typeface="Cambria Math" panose="02040503050406030204" pitchFamily="18" charset="0"/>
                           <a:ea typeface="Calibri" panose="020F0502020204030204" pitchFamily="34" charset="0"/>
                           <a:cs typeface="Times New Roman" panose="02020603050405020304" pitchFamily="18" charset="0"/>
                         </a:rPr>
@@ -13299,6 +13652,7 @@
                             <a:srgbClr val="000000"/>
                           </a:solidFill>
                           <a:effectLst/>
+                          <a:latin typeface="Cambria Math" panose="02040503050406030204" pitchFamily="18" charset="0"/>
                           <a:ea typeface="Calibri" panose="020F0502020204030204" pitchFamily="34" charset="0"/>
                           <a:cs typeface="Times New Roman" panose="02020603050405020304" pitchFamily="18" charset="0"/>
                         </a:rPr>
@@ -13307,6 +13661,7 @@
                       <m:r>
                         <a:rPr lang="ru-RU" i="1">
                           <a:effectLst/>
+                          <a:latin typeface="Cambria Math" panose="02040503050406030204" pitchFamily="18" charset="0"/>
                           <a:ea typeface="Calibri" panose="020F0502020204030204" pitchFamily="34" charset="0"/>
                           <a:cs typeface="Times New Roman" panose="02020603050405020304" pitchFamily="18" charset="0"/>
                         </a:rPr>
@@ -13317,6 +13672,7 @@
                           <m:ctrlPr>
                             <a:rPr lang="ru-RU" i="1">
                               <a:effectLst/>
+                              <a:latin typeface="Cambria Math" panose="02040503050406030204" pitchFamily="18" charset="0"/>
                               <a:ea typeface="Calibri" panose="020F0502020204030204" pitchFamily="34" charset="0"/>
                               <a:cs typeface="Times New Roman" panose="02020603050405020304" pitchFamily="18" charset="0"/>
                             </a:rPr>
@@ -13339,6 +13695,7 @@
                       <m:r>
                         <a:rPr lang="ru-RU" i="1">
                           <a:effectLst/>
+                          <a:latin typeface="Cambria Math" panose="02040503050406030204" pitchFamily="18" charset="0"/>
                           <a:ea typeface="Calibri" panose="020F0502020204030204" pitchFamily="34" charset="0"/>
                           <a:cs typeface="Times New Roman" panose="02020603050405020304" pitchFamily="18" charset="0"/>
                         </a:rPr>
@@ -13354,7 +13711,6 @@
                 </a:endParaRPr>
               </a:p>
               <a:p>
-                <a:pPr/>
                 <a:r>
                   <a:rPr lang="ru-RU" dirty="0">
                     <a:ea typeface="Calibri" panose="020F0502020204030204" pitchFamily="34" charset="0"/>
@@ -13371,7 +13727,6 @@
                 </a:r>
               </a:p>
               <a:p>
-                <a:pPr/>
                 <a:r>
                   <a:rPr lang="ru-RU" dirty="0">
                     <a:effectLst/>
@@ -13411,7 +13766,6 @@
                 </a:endParaRPr>
               </a:p>
               <a:p>
-                <a:pPr/>
                 <a:r>
                   <a:rPr lang="ru-RU" dirty="0">
                     <a:ea typeface="Calibri" panose="020F0502020204030204" pitchFamily="34" charset="0"/>
@@ -13428,7 +13782,6 @@
                 </a:r>
               </a:p>
               <a:p>
-                <a:pPr/>
                 <a14:m>
                   <m:oMath xmlns:m="http://schemas.openxmlformats.org/officeDocument/2006/math">
                     <m:sSub>
@@ -13436,6 +13789,7 @@
                         <m:ctrlPr>
                           <a:rPr lang="ru-RU" i="1" smtClean="0">
                             <a:effectLst/>
+                            <a:latin typeface="Cambria Math" panose="02040503050406030204" pitchFamily="18" charset="0"/>
                             <a:ea typeface="Times New Roman" panose="02020603050405020304" pitchFamily="18" charset="0"/>
                             <a:cs typeface="Times New Roman" panose="02020603050405020304" pitchFamily="18" charset="0"/>
                           </a:rPr>
@@ -13445,6 +13799,7 @@
                         <m:r>
                           <a:rPr lang="ru-RU" i="1">
                             <a:effectLst/>
+                            <a:latin typeface="Cambria Math" panose="02040503050406030204" pitchFamily="18" charset="0"/>
                             <a:ea typeface="Times New Roman" panose="02020603050405020304" pitchFamily="18" charset="0"/>
                             <a:cs typeface="Times New Roman" panose="02020603050405020304" pitchFamily="18" charset="0"/>
                           </a:rPr>
@@ -13481,6 +13836,7 @@
                         <m:ctrlPr>
                           <a:rPr lang="ru-RU" i="1">
                             <a:effectLst/>
+                            <a:latin typeface="Cambria Math" panose="02040503050406030204" pitchFamily="18" charset="0"/>
                             <a:ea typeface="Times New Roman" panose="02020603050405020304" pitchFamily="18" charset="0"/>
                             <a:cs typeface="Times New Roman" panose="02020603050405020304" pitchFamily="18" charset="0"/>
                           </a:rPr>
@@ -13490,6 +13846,7 @@
                         <m:r>
                           <a:rPr lang="en-US">
                             <a:effectLst/>
+                            <a:latin typeface="Cambria Math" panose="02040503050406030204" pitchFamily="18" charset="0"/>
                             <a:ea typeface="DengXian" panose="02010600030101010101" pitchFamily="2" charset="-122"/>
                             <a:cs typeface="Times New Roman" panose="02020603050405020304" pitchFamily="18" charset="0"/>
                           </a:rPr>
@@ -13500,6 +13857,7 @@
                         <m:r>
                           <a:rPr lang="ru-RU">
                             <a:effectLst/>
+                            <a:latin typeface="Cambria Math" panose="02040503050406030204" pitchFamily="18" charset="0"/>
                             <a:ea typeface="Times New Roman" panose="02020603050405020304" pitchFamily="18" charset="0"/>
                             <a:cs typeface="Times New Roman" panose="02020603050405020304" pitchFamily="18" charset="0"/>
                           </a:rPr>
@@ -13508,6 +13866,7 @@
                         <m:r>
                           <a:rPr lang="ru-RU" i="1">
                             <a:effectLst/>
+                            <a:latin typeface="Cambria Math" panose="02040503050406030204" pitchFamily="18" charset="0"/>
                             <a:ea typeface="Times New Roman" panose="02020603050405020304" pitchFamily="18" charset="0"/>
                             <a:cs typeface="Times New Roman" panose="02020603050405020304" pitchFamily="18" charset="0"/>
                           </a:rPr>
@@ -13516,6 +13875,7 @@
                         <m:r>
                           <a:rPr lang="ru-RU">
                             <a:effectLst/>
+                            <a:latin typeface="Cambria Math" panose="02040503050406030204" pitchFamily="18" charset="0"/>
                             <a:ea typeface="Times New Roman" panose="02020603050405020304" pitchFamily="18" charset="0"/>
                             <a:cs typeface="Times New Roman" panose="02020603050405020304" pitchFamily="18" charset="0"/>
                           </a:rPr>
@@ -13551,7 +13911,6 @@
                 </a:endParaRPr>
               </a:p>
               <a:p>
-                <a:pPr/>
                 <a:r>
                   <a:rPr lang="ru-RU" dirty="0">
                     <a:ea typeface="Calibri" panose="020F0502020204030204" pitchFamily="34" charset="0"/>
@@ -13568,7 +13927,6 @@
                 </a:r>
               </a:p>
               <a:p>
-                <a:pPr/>
                 <a:r>
                   <a:rPr lang="ru-RU" dirty="0">
                     <a:effectLst/>
@@ -13583,7 +13941,6 @@
                 </a:endParaRPr>
               </a:p>
               <a:p>
-                <a:pPr/>
                 <a:endParaRPr lang="en-US" dirty="0">
                   <a:effectLst/>
                   <a:ea typeface="Calibri" panose="020F0502020204030204" pitchFamily="34" charset="0"/>
@@ -13591,7 +13948,6 @@
                 </a:endParaRPr>
               </a:p>
               <a:p>
-                <a:pPr/>
                 <a:endParaRPr lang="ru-RU" sz="1800" dirty="0">
                   <a:effectLst/>
                   <a:latin typeface="Times New Roman" panose="02020603050405020304" pitchFamily="18" charset="0"/>
@@ -13608,7 +13964,7 @@
             </p:txBody>
           </p:sp>
         </mc:Choice>
-        <mc:Fallback>
+        <mc:Fallback xmlns="">
           <p:sp>
             <p:nvSpPr>
               <p:cNvPr id="5" name="Объект 4">
@@ -13656,7 +14012,7 @@
 </p:sld>
 </file>
 
-<file path=ppt/slides/slide27.xml><?xml version="1.0" encoding="utf-8"?>
+<file path=ppt/slides/slide28.xml><?xml version="1.0" encoding="utf-8"?>
 <p:sld xmlns:a="http://schemas.openxmlformats.org/drawingml/2006/main" xmlns:r="http://schemas.openxmlformats.org/officeDocument/2006/relationships" xmlns:p="http://schemas.openxmlformats.org/presentationml/2006/main">
   <p:cSld>
     <p:spTree>
@@ -13969,7 +14325,7 @@
               <a:rPr lang="ru-RU" altLang="ru-RU" sz="1800" dirty="0">
                 <a:latin typeface="Arial" panose="020B0604020202020204" pitchFamily="34" charset="0"/>
               </a:rPr>
-              <a:t>26</a:t>
+              <a:t>27</a:t>
             </a:r>
           </a:p>
         </p:txBody>
@@ -13982,7 +14338,7 @@
 </p:sld>
 </file>
 
-<file path=ppt/slides/slide28.xml><?xml version="1.0" encoding="utf-8"?>
+<file path=ppt/slides/slide29.xml><?xml version="1.0" encoding="utf-8"?>
 <p:sld xmlns:a="http://schemas.openxmlformats.org/drawingml/2006/main" xmlns:r="http://schemas.openxmlformats.org/officeDocument/2006/relationships" xmlns:p="http://schemas.openxmlformats.org/presentationml/2006/main">
   <p:cSld>
     <p:spTree>
@@ -14552,6 +14908,317 @@
         </p:txBody>
       </p:sp>
     </p:spTree>
+  </p:cSld>
+  <p:clrMapOvr>
+    <a:masterClrMapping/>
+  </p:clrMapOvr>
+</p:sld>
+</file>
+
+<file path=ppt/slides/slide30.xml><?xml version="1.0" encoding="utf-8"?>
+<p:sld xmlns:a="http://schemas.openxmlformats.org/drawingml/2006/main" xmlns:r="http://schemas.openxmlformats.org/officeDocument/2006/relationships" xmlns:p="http://schemas.openxmlformats.org/presentationml/2006/main">
+  <p:cSld>
+    <p:spTree>
+      <p:nvGrpSpPr>
+        <p:cNvPr id="1" name=""/>
+        <p:cNvGrpSpPr/>
+        <p:nvPr/>
+      </p:nvGrpSpPr>
+      <p:grpSpPr>
+        <a:xfrm>
+          <a:off x="0" y="0"/>
+          <a:ext cx="0" cy="0"/>
+          <a:chOff x="0" y="0"/>
+          <a:chExt cx="0" cy="0"/>
+        </a:xfrm>
+      </p:grpSpPr>
+      <p:sp>
+        <p:nvSpPr>
+          <p:cNvPr id="2" name="Заголовок 1">
+            <a:extLst>
+              <a:ext uri="{FF2B5EF4-FFF2-40B4-BE49-F238E27FC236}">
+                <a16:creationId xmlns:a16="http://schemas.microsoft.com/office/drawing/2014/main" id="{443F0878-F27F-4595-9758-B7E8F030245C}"/>
+              </a:ext>
+            </a:extLst>
+          </p:cNvPr>
+          <p:cNvSpPr>
+            <a:spLocks noGrp="1"/>
+          </p:cNvSpPr>
+          <p:nvPr>
+            <p:ph type="title"/>
+          </p:nvPr>
+        </p:nvSpPr>
+        <p:spPr>
+          <a:xfrm>
+            <a:off x="495300" y="439738"/>
+            <a:ext cx="8915400" cy="560387"/>
+          </a:xfrm>
+        </p:spPr>
+        <p:txBody>
+          <a:bodyPr/>
+          <a:lstStyle/>
+          <a:p>
+            <a:pPr>
+              <a:defRPr/>
+            </a:pPr>
+            <a:r>
+              <a:rPr lang="ru-RU" dirty="0"/>
+              <a:t>Определение точности</a:t>
+            </a:r>
+          </a:p>
+        </p:txBody>
+      </p:sp>
+      <p:sp>
+        <p:nvSpPr>
+          <p:cNvPr id="27652" name="TextBox 3">
+            <a:extLst>
+              <a:ext uri="{FF2B5EF4-FFF2-40B4-BE49-F238E27FC236}">
+                <a16:creationId xmlns:a16="http://schemas.microsoft.com/office/drawing/2014/main" id="{3699663B-54AD-9C30-9090-219652BED8D3}"/>
+              </a:ext>
+            </a:extLst>
+          </p:cNvPr>
+          <p:cNvSpPr txBox="1">
+            <a:spLocks noChangeArrowheads="1"/>
+          </p:cNvSpPr>
+          <p:nvPr/>
+        </p:nvSpPr>
+        <p:spPr bwMode="auto">
+          <a:xfrm>
+            <a:off x="9253538" y="6251575"/>
+            <a:ext cx="441146" cy="369332"/>
+          </a:xfrm>
+          <a:prstGeom prst="rect">
+            <a:avLst/>
+          </a:prstGeom>
+          <a:noFill/>
+          <a:ln>
+            <a:noFill/>
+          </a:ln>
+          <a:extLst>
+            <a:ext uri="{909E8E84-426E-40DD-AFC4-6F175D3DCCD1}">
+              <a14:hiddenFill xmlns:a14="http://schemas.microsoft.com/office/drawing/2010/main">
+                <a:solidFill>
+                  <a:srgbClr val="FFFFFF"/>
+                </a:solidFill>
+              </a14:hiddenFill>
+            </a:ext>
+            <a:ext uri="{91240B29-F687-4F45-9708-019B960494DF}">
+              <a14:hiddenLine xmlns:a14="http://schemas.microsoft.com/office/drawing/2010/main" w="9525">
+                <a:solidFill>
+                  <a:srgbClr val="000000"/>
+                </a:solidFill>
+                <a:miter lim="800000"/>
+                <a:headEnd/>
+                <a:tailEnd/>
+              </a14:hiddenLine>
+            </a:ext>
+          </a:extLst>
+        </p:spPr>
+        <p:txBody>
+          <a:bodyPr wrap="none">
+            <a:spAutoFit/>
+          </a:bodyPr>
+          <a:lstStyle>
+            <a:lvl1pPr>
+              <a:spcBef>
+                <a:spcPct val="20000"/>
+              </a:spcBef>
+              <a:buFont typeface="Arial" panose="020B0604020202020204" pitchFamily="34" charset="0"/>
+              <a:buChar char="•"/>
+              <a:defRPr sz="3200">
+                <a:solidFill>
+                  <a:schemeClr val="tx1"/>
+                </a:solidFill>
+                <a:latin typeface="Calibri" panose="020F0502020204030204" pitchFamily="34" charset="0"/>
+              </a:defRPr>
+            </a:lvl1pPr>
+            <a:lvl2pPr marL="742950" indent="-285750">
+              <a:spcBef>
+                <a:spcPct val="20000"/>
+              </a:spcBef>
+              <a:buFont typeface="Arial" panose="020B0604020202020204" pitchFamily="34" charset="0"/>
+              <a:buChar char="–"/>
+              <a:defRPr sz="2800">
+                <a:solidFill>
+                  <a:schemeClr val="tx1"/>
+                </a:solidFill>
+                <a:latin typeface="Calibri" panose="020F0502020204030204" pitchFamily="34" charset="0"/>
+              </a:defRPr>
+            </a:lvl2pPr>
+            <a:lvl3pPr marL="1143000" indent="-228600">
+              <a:spcBef>
+                <a:spcPct val="20000"/>
+              </a:spcBef>
+              <a:buFont typeface="Arial" panose="020B0604020202020204" pitchFamily="34" charset="0"/>
+              <a:buChar char="•"/>
+              <a:defRPr sz="2400">
+                <a:solidFill>
+                  <a:schemeClr val="tx1"/>
+                </a:solidFill>
+                <a:latin typeface="Calibri" panose="020F0502020204030204" pitchFamily="34" charset="0"/>
+              </a:defRPr>
+            </a:lvl3pPr>
+            <a:lvl4pPr marL="1600200" indent="-228600">
+              <a:spcBef>
+                <a:spcPct val="20000"/>
+              </a:spcBef>
+              <a:buFont typeface="Arial" panose="020B0604020202020204" pitchFamily="34" charset="0"/>
+              <a:buChar char="–"/>
+              <a:defRPr sz="2000">
+                <a:solidFill>
+                  <a:schemeClr val="tx1"/>
+                </a:solidFill>
+                <a:latin typeface="Calibri" panose="020F0502020204030204" pitchFamily="34" charset="0"/>
+              </a:defRPr>
+            </a:lvl4pPr>
+            <a:lvl5pPr marL="2057400" indent="-228600">
+              <a:spcBef>
+                <a:spcPct val="20000"/>
+              </a:spcBef>
+              <a:buFont typeface="Arial" panose="020B0604020202020204" pitchFamily="34" charset="0"/>
+              <a:buChar char="»"/>
+              <a:defRPr sz="2000">
+                <a:solidFill>
+                  <a:schemeClr val="tx1"/>
+                </a:solidFill>
+                <a:latin typeface="Calibri" panose="020F0502020204030204" pitchFamily="34" charset="0"/>
+              </a:defRPr>
+            </a:lvl5pPr>
+            <a:lvl6pPr marL="2514600" indent="-228600" eaLnBrk="0" fontAlgn="base" hangingPunct="0">
+              <a:spcBef>
+                <a:spcPct val="20000"/>
+              </a:spcBef>
+              <a:spcAft>
+                <a:spcPct val="0"/>
+              </a:spcAft>
+              <a:buFont typeface="Arial" panose="020B0604020202020204" pitchFamily="34" charset="0"/>
+              <a:buChar char="»"/>
+              <a:defRPr sz="2000">
+                <a:solidFill>
+                  <a:schemeClr val="tx1"/>
+                </a:solidFill>
+                <a:latin typeface="Calibri" panose="020F0502020204030204" pitchFamily="34" charset="0"/>
+              </a:defRPr>
+            </a:lvl6pPr>
+            <a:lvl7pPr marL="2971800" indent="-228600" eaLnBrk="0" fontAlgn="base" hangingPunct="0">
+              <a:spcBef>
+                <a:spcPct val="20000"/>
+              </a:spcBef>
+              <a:spcAft>
+                <a:spcPct val="0"/>
+              </a:spcAft>
+              <a:buFont typeface="Arial" panose="020B0604020202020204" pitchFamily="34" charset="0"/>
+              <a:buChar char="»"/>
+              <a:defRPr sz="2000">
+                <a:solidFill>
+                  <a:schemeClr val="tx1"/>
+                </a:solidFill>
+                <a:latin typeface="Calibri" panose="020F0502020204030204" pitchFamily="34" charset="0"/>
+              </a:defRPr>
+            </a:lvl7pPr>
+            <a:lvl8pPr marL="3429000" indent="-228600" eaLnBrk="0" fontAlgn="base" hangingPunct="0">
+              <a:spcBef>
+                <a:spcPct val="20000"/>
+              </a:spcBef>
+              <a:spcAft>
+                <a:spcPct val="0"/>
+              </a:spcAft>
+              <a:buFont typeface="Arial" panose="020B0604020202020204" pitchFamily="34" charset="0"/>
+              <a:buChar char="»"/>
+              <a:defRPr sz="2000">
+                <a:solidFill>
+                  <a:schemeClr val="tx1"/>
+                </a:solidFill>
+                <a:latin typeface="Calibri" panose="020F0502020204030204" pitchFamily="34" charset="0"/>
+              </a:defRPr>
+            </a:lvl8pPr>
+            <a:lvl9pPr marL="3886200" indent="-228600" eaLnBrk="0" fontAlgn="base" hangingPunct="0">
+              <a:spcBef>
+                <a:spcPct val="20000"/>
+              </a:spcBef>
+              <a:spcAft>
+                <a:spcPct val="0"/>
+              </a:spcAft>
+              <a:buFont typeface="Arial" panose="020B0604020202020204" pitchFamily="34" charset="0"/>
+              <a:buChar char="»"/>
+              <a:defRPr sz="2000">
+                <a:solidFill>
+                  <a:schemeClr val="tx1"/>
+                </a:solidFill>
+                <a:latin typeface="Calibri" panose="020F0502020204030204" pitchFamily="34" charset="0"/>
+              </a:defRPr>
+            </a:lvl9pPr>
+          </a:lstStyle>
+          <a:p>
+            <a:pPr>
+              <a:spcBef>
+                <a:spcPct val="0"/>
+              </a:spcBef>
+              <a:buFontTx/>
+              <a:buNone/>
+            </a:pPr>
+            <a:r>
+              <a:rPr lang="ru-RU" altLang="ru-RU" sz="1800" dirty="0">
+                <a:latin typeface="Arial" panose="020B0604020202020204" pitchFamily="34" charset="0"/>
+              </a:rPr>
+              <a:t>28</a:t>
+            </a:r>
+          </a:p>
+        </p:txBody>
+      </p:sp>
+      <p:pic>
+        <p:nvPicPr>
+          <p:cNvPr id="1026" name="Picture 2">
+            <a:extLst>
+              <a:ext uri="{FF2B5EF4-FFF2-40B4-BE49-F238E27FC236}">
+                <a16:creationId xmlns:a16="http://schemas.microsoft.com/office/drawing/2014/main" id="{8839943C-0FB8-D2B3-8D51-FACDCAA4F5B3}"/>
+              </a:ext>
+            </a:extLst>
+          </p:cNvPr>
+          <p:cNvPicPr>
+            <a:picLocks noChangeAspect="1" noChangeArrowheads="1"/>
+          </p:cNvPicPr>
+          <p:nvPr/>
+        </p:nvPicPr>
+        <p:blipFill>
+          <a:blip r:embed="rId2">
+            <a:extLst>
+              <a:ext uri="{28A0092B-C50C-407E-A947-70E740481C1C}">
+                <a14:useLocalDpi xmlns:a14="http://schemas.microsoft.com/office/drawing/2010/main" val="0"/>
+              </a:ext>
+            </a:extLst>
+          </a:blip>
+          <a:srcRect/>
+          <a:stretch>
+            <a:fillRect/>
+          </a:stretch>
+        </p:blipFill>
+        <p:spPr bwMode="auto">
+          <a:xfrm>
+            <a:off x="1143000" y="1130878"/>
+            <a:ext cx="7620000" cy="5133975"/>
+          </a:xfrm>
+          <a:prstGeom prst="rect">
+            <a:avLst/>
+          </a:prstGeom>
+          <a:noFill/>
+          <a:extLst>
+            <a:ext uri="{909E8E84-426E-40DD-AFC4-6F175D3DCCD1}">
+              <a14:hiddenFill xmlns:a14="http://schemas.microsoft.com/office/drawing/2010/main">
+                <a:solidFill>
+                  <a:srgbClr val="FFFFFF"/>
+                </a:solidFill>
+              </a14:hiddenFill>
+            </a:ext>
+          </a:extLst>
+        </p:spPr>
+      </p:pic>
+    </p:spTree>
+    <p:extLst>
+      <p:ext uri="{BB962C8B-B14F-4D97-AF65-F5344CB8AC3E}">
+        <p14:creationId xmlns:p14="http://schemas.microsoft.com/office/powerpoint/2010/main" val="1401102121"/>
+      </p:ext>
+    </p:extLst>
   </p:cSld>
   <p:clrMapOvr>
     <a:masterClrMapping/>
@@ -16089,7 +16756,7 @@
         </p:blipFill>
         <p:spPr bwMode="auto">
           <a:xfrm>
-            <a:off x="7833320" y="3279760"/>
+            <a:off x="7835532" y="3279760"/>
             <a:ext cx="1296308" cy="1296308"/>
           </a:xfrm>
           <a:prstGeom prst="rect">
@@ -16234,91 +16901,70 @@
         <p:spPr>
           <a:xfrm>
             <a:off x="309563" y="1285875"/>
-            <a:ext cx="5795565" cy="3439269"/>
+            <a:ext cx="9323957" cy="3799309"/>
           </a:xfrm>
         </p:spPr>
         <p:txBody>
           <a:bodyPr>
-            <a:normAutofit fontScale="92500" lnSpcReduction="10000"/>
+            <a:normAutofit/>
           </a:bodyPr>
           <a:lstStyle/>
           <a:p>
+            <a:pPr algn="just"/>
+            <a:r>
+              <a:rPr lang="ru-RU" kern="1200" dirty="0">
+                <a:latin typeface="+mn-lt"/>
+                <a:ea typeface="+mn-ea"/>
+                <a:cs typeface="Arial" panose="020B0604020202020204" pitchFamily="34" charset="0"/>
+              </a:rPr>
+              <a:t>Математический аппарат при проектировании данной системы используется для определения рабочего в зоне. Очевидно, что части тела рабочего нужно представить как точки, а зоны представляют собой многоугольники. Соответственно, для решения задачи можно воспользоваться алгоритмами проверки принадлежности точки многоугольнику.</a:t>
+            </a:r>
+          </a:p>
+          <a:p>
+            <a:pPr algn="just"/>
+            <a:r>
+              <a:rPr lang="ru-RU" kern="1200" dirty="0">
+                <a:latin typeface="+mn-lt"/>
+                <a:ea typeface="+mn-ea"/>
+                <a:cs typeface="Arial" panose="020B0604020202020204" pitchFamily="34" charset="0"/>
+              </a:rPr>
+              <a:t>Существует два основных метода проверки принадлежности:</a:t>
+            </a:r>
+          </a:p>
+          <a:p>
             <a:pPr algn="just">
-              <a:defRPr/>
+              <a:buFont typeface="Arial" panose="020B0604020202020204" pitchFamily="34" charset="0"/>
+              <a:buChar char="•"/>
             </a:pPr>
             <a:r>
-              <a:rPr lang="ru-RU" dirty="0"/>
-              <a:t>Математический аппарат при проектировании данной системы используется для определения рабочего в зоне. </a:t>
-            </a:r>
-          </a:p>
-          <a:p>
-            <a:pPr>
-              <a:defRPr/>
+              <a:rPr lang="ru-RU" kern="1200" dirty="0">
+                <a:latin typeface="+mn-lt"/>
+                <a:ea typeface="+mn-ea"/>
+                <a:cs typeface="Arial" panose="020B0604020202020204" pitchFamily="34" charset="0"/>
+              </a:rPr>
+              <a:t>метод трассировки луча</a:t>
+            </a:r>
+          </a:p>
+          <a:p>
+            <a:pPr algn="just">
+              <a:buFont typeface="Arial" panose="020B0604020202020204" pitchFamily="34" charset="0"/>
+              <a:buChar char="•"/>
             </a:pPr>
             <a:r>
-              <a:rPr lang="ru-RU" dirty="0"/>
-              <a:t>Определение частей тела</a:t>
-            </a:r>
-            <a:r>
-              <a:rPr lang="en-US" dirty="0"/>
-              <a:t>:</a:t>
-            </a:r>
-            <a:endParaRPr lang="ru-RU" dirty="0"/>
-          </a:p>
-          <a:p>
-            <a:pPr marL="457200" indent="-457200">
-              <a:buFont typeface="+mj-lt"/>
-              <a:buAutoNum type="arabicPeriod"/>
-              <a:defRPr/>
-            </a:pPr>
-            <a:r>
-              <a:rPr lang="ru-RU" dirty="0"/>
-              <a:t>Составить тепловые карты частей тела</a:t>
-            </a:r>
-          </a:p>
-          <a:p>
-            <a:pPr marL="457200" indent="-457200">
-              <a:buFont typeface="+mj-lt"/>
-              <a:buAutoNum type="arabicPeriod"/>
-              <a:defRPr/>
-            </a:pPr>
-            <a:r>
-              <a:rPr lang="ru-RU" dirty="0"/>
-              <a:t>Составление направляющих карт</a:t>
-            </a:r>
-          </a:p>
-          <a:p>
-            <a:pPr marL="457200" indent="-457200">
-              <a:buFont typeface="+mj-lt"/>
-              <a:buAutoNum type="arabicPeriod"/>
-              <a:defRPr/>
-            </a:pPr>
-            <a:r>
-              <a:rPr lang="ru-RU" dirty="0"/>
-              <a:t>Фильтрация остаточных частей тела</a:t>
-            </a:r>
-          </a:p>
-          <a:p>
-            <a:pPr marL="457200" indent="-457200">
-              <a:buFont typeface="+mj-lt"/>
-              <a:buAutoNum type="arabicPeriod"/>
-              <a:defRPr/>
-            </a:pPr>
-            <a:r>
-              <a:rPr lang="ru-RU" dirty="0"/>
-              <a:t>Составление пар</a:t>
-            </a:r>
-          </a:p>
-          <a:p>
-            <a:pPr marL="457200" indent="-457200">
-              <a:buFont typeface="+mj-lt"/>
-              <a:buAutoNum type="arabicPeriod"/>
-              <a:defRPr/>
-            </a:pPr>
-            <a:r>
-              <a:rPr lang="ru-RU" dirty="0"/>
-              <a:t>Решение задачи присваивания</a:t>
-            </a:r>
+              <a:rPr lang="ru-RU" kern="1200" dirty="0">
+                <a:latin typeface="+mn-lt"/>
+                <a:ea typeface="+mn-ea"/>
+                <a:cs typeface="Arial" panose="020B0604020202020204" pitchFamily="34" charset="0"/>
+              </a:rPr>
+              <a:t>метод суммирования углов</a:t>
+            </a:r>
+          </a:p>
+          <a:p>
+            <a:endParaRPr lang="ru-RU" kern="1200" dirty="0">
+              <a:latin typeface="+mn-lt"/>
+              <a:ea typeface="Arial" panose="020B0604020202020204" pitchFamily="34" charset="0"/>
+              <a:cs typeface="+mn-cs"/>
+            </a:endParaRPr>
           </a:p>
           <a:p>
             <a:pPr marL="457200" indent="-457200">
@@ -16528,37 +17174,224 @@
           </a:p>
         </p:txBody>
       </p:sp>
-      <p:pic>
-        <p:nvPicPr>
-          <p:cNvPr id="5" name="Рисунок 4" descr="Изображение для публикации">
+    </p:spTree>
+    <p:extLst>
+      <p:ext uri="{BB962C8B-B14F-4D97-AF65-F5344CB8AC3E}">
+        <p14:creationId xmlns:p14="http://schemas.microsoft.com/office/powerpoint/2010/main" val="2877358208"/>
+      </p:ext>
+    </p:extLst>
+  </p:cSld>
+  <p:clrMapOvr>
+    <a:masterClrMapping/>
+  </p:clrMapOvr>
+</p:sld>
+</file>
+
+<file path=ppt/slides/slide7.xml><?xml version="1.0" encoding="utf-8"?>
+<p:sld xmlns:a="http://schemas.openxmlformats.org/drawingml/2006/main" xmlns:r="http://schemas.openxmlformats.org/officeDocument/2006/relationships" xmlns:p="http://schemas.openxmlformats.org/presentationml/2006/main">
+  <p:cSld>
+    <p:spTree>
+      <p:nvGrpSpPr>
+        <p:cNvPr id="1" name=""/>
+        <p:cNvGrpSpPr/>
+        <p:nvPr/>
+      </p:nvGrpSpPr>
+      <p:grpSpPr>
+        <a:xfrm>
+          <a:off x="0" y="0"/>
+          <a:ext cx="0" cy="0"/>
+          <a:chOff x="0" y="0"/>
+          <a:chExt cx="0" cy="0"/>
+        </a:xfrm>
+      </p:grpSpPr>
+      <p:sp>
+        <p:nvSpPr>
+          <p:cNvPr id="2" name="Заголовок 1">
             <a:extLst>
               <a:ext uri="{FF2B5EF4-FFF2-40B4-BE49-F238E27FC236}">
-                <a16:creationId xmlns:a16="http://schemas.microsoft.com/office/drawing/2014/main" id="{6D1C71B0-FCA2-D7E0-1A1E-9C570D35A218}"/>
+                <a16:creationId xmlns:a16="http://schemas.microsoft.com/office/drawing/2014/main" id="{D0D3E1B8-48C2-4507-B1D6-EC30B4A32537}"/>
               </a:ext>
             </a:extLst>
           </p:cNvPr>
-          <p:cNvPicPr>
-            <a:picLocks noChangeAspect="1"/>
-          </p:cNvPicPr>
-          <p:nvPr/>
-        </p:nvPicPr>
-        <p:blipFill>
-          <a:blip r:embed="rId2" cstate="print">
+          <p:cNvSpPr>
+            <a:spLocks noGrp="1"/>
+          </p:cNvSpPr>
+          <p:nvPr>
+            <p:ph type="title"/>
+          </p:nvPr>
+        </p:nvSpPr>
+        <p:spPr>
+          <a:xfrm>
+            <a:off x="495300" y="439738"/>
+            <a:ext cx="8915400" cy="560387"/>
+          </a:xfrm>
+        </p:spPr>
+        <p:txBody>
+          <a:bodyPr/>
+          <a:lstStyle/>
+          <a:p>
+            <a:pPr>
+              <a:defRPr/>
+            </a:pPr>
+            <a:r>
+              <a:rPr lang="ru-RU" dirty="0"/>
+              <a:t>Определение частей тела</a:t>
+            </a:r>
+          </a:p>
+        </p:txBody>
+      </p:sp>
+      <p:sp>
+        <p:nvSpPr>
+          <p:cNvPr id="3" name="Объект 2">
             <a:extLst>
-              <a:ext uri="{28A0092B-C50C-407E-A947-70E740481C1C}">
-                <a14:useLocalDpi xmlns:a14="http://schemas.microsoft.com/office/drawing/2010/main" val="0"/>
+              <a:ext uri="{FF2B5EF4-FFF2-40B4-BE49-F238E27FC236}">
+                <a16:creationId xmlns:a16="http://schemas.microsoft.com/office/drawing/2014/main" id="{C78226D2-77AC-43C4-B42F-0917F61692B2}"/>
               </a:ext>
             </a:extLst>
-          </a:blip>
-          <a:srcRect/>
-          <a:stretch>
-            <a:fillRect/>
-          </a:stretch>
-        </p:blipFill>
+          </p:cNvPr>
+          <p:cNvSpPr>
+            <a:spLocks noGrp="1"/>
+          </p:cNvSpPr>
+          <p:nvPr>
+            <p:ph idx="1"/>
+          </p:nvPr>
+        </p:nvSpPr>
         <p:spPr>
           <a:xfrm>
-            <a:off x="6956031" y="1221350"/>
-            <a:ext cx="2533473" cy="5001618"/>
+            <a:off x="309563" y="1285875"/>
+            <a:ext cx="9258300" cy="2791197"/>
+          </a:xfrm>
+        </p:spPr>
+        <p:txBody>
+          <a:bodyPr>
+            <a:normAutofit fontScale="25000" lnSpcReduction="20000"/>
+          </a:bodyPr>
+          <a:lstStyle/>
+          <a:p>
+            <a:pPr algn="just">
+              <a:defRPr/>
+            </a:pPr>
+            <a:r>
+              <a:rPr lang="ru-RU" sz="9600" dirty="0"/>
+              <a:t>Существуют два способа определить части тела людей на кадре</a:t>
+            </a:r>
+            <a:r>
+              <a:rPr lang="en-US" sz="9600" dirty="0"/>
+              <a:t>:</a:t>
+            </a:r>
+          </a:p>
+          <a:p>
+            <a:pPr algn="just">
+              <a:defRPr/>
+            </a:pPr>
+            <a:r>
+              <a:rPr lang="ru-RU" sz="9600" dirty="0"/>
+              <a:t>Восходящий метод</a:t>
+            </a:r>
+            <a:r>
+              <a:rPr lang="en-US" sz="9600" dirty="0"/>
+              <a:t>:</a:t>
+            </a:r>
+            <a:endParaRPr lang="ru-RU" sz="9600" dirty="0"/>
+          </a:p>
+          <a:p>
+            <a:pPr marL="457200" lvl="3" indent="-457200" algn="just">
+              <a:buFont typeface="+mj-lt"/>
+              <a:buAutoNum type="arabicPeriod"/>
+              <a:defRPr/>
+            </a:pPr>
+            <a:r>
+              <a:rPr lang="ru-RU" sz="9600" dirty="0">
+                <a:latin typeface="+mn-lt"/>
+              </a:rPr>
+              <a:t>Обнаружить всех людей</a:t>
+            </a:r>
+          </a:p>
+          <a:p>
+            <a:pPr marL="457200" lvl="3" indent="-457200" algn="just">
+              <a:buFont typeface="+mj-lt"/>
+              <a:buAutoNum type="arabicPeriod"/>
+              <a:defRPr/>
+            </a:pPr>
+            <a:r>
+              <a:rPr lang="ru-RU" sz="9600" dirty="0">
+                <a:latin typeface="+mn-lt"/>
+              </a:rPr>
+              <a:t>Обнаружить части тела внутри прямоугольника каждого человека</a:t>
+            </a:r>
+          </a:p>
+          <a:p>
+            <a:pPr algn="just">
+              <a:defRPr/>
+            </a:pPr>
+            <a:r>
+              <a:rPr lang="ru-RU" sz="9600" dirty="0"/>
+              <a:t>Нисходящий метод</a:t>
+            </a:r>
+            <a:r>
+              <a:rPr lang="en-US" sz="9600" dirty="0"/>
+              <a:t>:</a:t>
+            </a:r>
+          </a:p>
+          <a:p>
+            <a:pPr marL="457200" indent="-457200" algn="just">
+              <a:buFont typeface="+mj-lt"/>
+              <a:buAutoNum type="arabicPeriod"/>
+              <a:defRPr/>
+            </a:pPr>
+            <a:r>
+              <a:rPr lang="ru-RU" sz="9600" dirty="0"/>
+              <a:t>Обнаружить все части тела людей на кадре</a:t>
+            </a:r>
+            <a:endParaRPr lang="en-US" sz="9600" dirty="0"/>
+          </a:p>
+          <a:p>
+            <a:pPr marL="457200" indent="-457200" algn="just">
+              <a:buFont typeface="+mj-lt"/>
+              <a:buAutoNum type="arabicPeriod"/>
+              <a:defRPr/>
+            </a:pPr>
+            <a:r>
+              <a:rPr lang="ru-RU" sz="9600" dirty="0"/>
+              <a:t>С помощью алгоритма определить части тела к конкретным людям</a:t>
+            </a:r>
+          </a:p>
+          <a:p>
+            <a:pPr marL="457200" indent="-457200" algn="just">
+              <a:buFont typeface="+mj-lt"/>
+              <a:buAutoNum type="arabicPeriod"/>
+              <a:defRPr/>
+            </a:pPr>
+            <a:endParaRPr lang="ru-RU" sz="2000" dirty="0"/>
+          </a:p>
+          <a:p>
+            <a:pPr marL="457200" indent="-457200">
+              <a:buFont typeface="+mj-lt"/>
+              <a:buAutoNum type="arabicPeriod"/>
+              <a:defRPr/>
+            </a:pPr>
+            <a:endParaRPr lang="ru-RU" dirty="0"/>
+          </a:p>
+        </p:txBody>
+      </p:sp>
+      <p:sp>
+        <p:nvSpPr>
+          <p:cNvPr id="9220" name="TextBox 3">
+            <a:extLst>
+              <a:ext uri="{FF2B5EF4-FFF2-40B4-BE49-F238E27FC236}">
+                <a16:creationId xmlns:a16="http://schemas.microsoft.com/office/drawing/2014/main" id="{B9FF90A4-12A5-C136-9A38-3B2A952AE448}"/>
+              </a:ext>
+            </a:extLst>
+          </p:cNvPr>
+          <p:cNvSpPr txBox="1">
+            <a:spLocks noChangeArrowheads="1"/>
+          </p:cNvSpPr>
+          <p:nvPr/>
+        </p:nvSpPr>
+        <p:spPr bwMode="auto">
+          <a:xfrm>
+            <a:off x="9253538" y="6251575"/>
+            <a:ext cx="312906" cy="369332"/>
           </a:xfrm>
           <a:prstGeom prst="rect">
             <a:avLst/>
@@ -16567,8 +17400,178 @@
           <a:ln>
             <a:noFill/>
           </a:ln>
+          <a:extLst>
+            <a:ext uri="{909E8E84-426E-40DD-AFC4-6F175D3DCCD1}">
+              <a14:hiddenFill xmlns:a14="http://schemas.microsoft.com/office/drawing/2010/main">
+                <a:solidFill>
+                  <a:srgbClr val="FFFFFF"/>
+                </a:solidFill>
+              </a14:hiddenFill>
+            </a:ext>
+            <a:ext uri="{91240B29-F687-4F45-9708-019B960494DF}">
+              <a14:hiddenLine xmlns:a14="http://schemas.microsoft.com/office/drawing/2010/main" w="9525">
+                <a:solidFill>
+                  <a:srgbClr val="000000"/>
+                </a:solidFill>
+                <a:miter lim="800000"/>
+                <a:headEnd/>
+                <a:tailEnd/>
+              </a14:hiddenLine>
+            </a:ext>
+          </a:extLst>
         </p:spPr>
-      </p:pic>
+        <p:txBody>
+          <a:bodyPr wrap="none">
+            <a:spAutoFit/>
+          </a:bodyPr>
+          <a:lstStyle>
+            <a:lvl1pPr>
+              <a:spcBef>
+                <a:spcPct val="20000"/>
+              </a:spcBef>
+              <a:buFont typeface="Arial" panose="020B0604020202020204" pitchFamily="34" charset="0"/>
+              <a:buChar char="•"/>
+              <a:defRPr sz="3200">
+                <a:solidFill>
+                  <a:schemeClr val="tx1"/>
+                </a:solidFill>
+                <a:latin typeface="Calibri" panose="020F0502020204030204" pitchFamily="34" charset="0"/>
+              </a:defRPr>
+            </a:lvl1pPr>
+            <a:lvl2pPr marL="742950" indent="-285750">
+              <a:spcBef>
+                <a:spcPct val="20000"/>
+              </a:spcBef>
+              <a:buFont typeface="Arial" panose="020B0604020202020204" pitchFamily="34" charset="0"/>
+              <a:buChar char="–"/>
+              <a:defRPr sz="2800">
+                <a:solidFill>
+                  <a:schemeClr val="tx1"/>
+                </a:solidFill>
+                <a:latin typeface="Calibri" panose="020F0502020204030204" pitchFamily="34" charset="0"/>
+              </a:defRPr>
+            </a:lvl2pPr>
+            <a:lvl3pPr marL="1143000" indent="-228600">
+              <a:spcBef>
+                <a:spcPct val="20000"/>
+              </a:spcBef>
+              <a:buFont typeface="Arial" panose="020B0604020202020204" pitchFamily="34" charset="0"/>
+              <a:buChar char="•"/>
+              <a:defRPr sz="2400">
+                <a:solidFill>
+                  <a:schemeClr val="tx1"/>
+                </a:solidFill>
+                <a:latin typeface="Calibri" panose="020F0502020204030204" pitchFamily="34" charset="0"/>
+              </a:defRPr>
+            </a:lvl3pPr>
+            <a:lvl4pPr marL="1600200" indent="-228600">
+              <a:spcBef>
+                <a:spcPct val="20000"/>
+              </a:spcBef>
+              <a:buFont typeface="Arial" panose="020B0604020202020204" pitchFamily="34" charset="0"/>
+              <a:buChar char="–"/>
+              <a:defRPr sz="2000">
+                <a:solidFill>
+                  <a:schemeClr val="tx1"/>
+                </a:solidFill>
+                <a:latin typeface="Calibri" panose="020F0502020204030204" pitchFamily="34" charset="0"/>
+              </a:defRPr>
+            </a:lvl4pPr>
+            <a:lvl5pPr marL="2057400" indent="-228600">
+              <a:spcBef>
+                <a:spcPct val="20000"/>
+              </a:spcBef>
+              <a:buFont typeface="Arial" panose="020B0604020202020204" pitchFamily="34" charset="0"/>
+              <a:buChar char="»"/>
+              <a:defRPr sz="2000">
+                <a:solidFill>
+                  <a:schemeClr val="tx1"/>
+                </a:solidFill>
+                <a:latin typeface="Calibri" panose="020F0502020204030204" pitchFamily="34" charset="0"/>
+              </a:defRPr>
+            </a:lvl5pPr>
+            <a:lvl6pPr marL="2514600" indent="-228600" eaLnBrk="0" fontAlgn="base" hangingPunct="0">
+              <a:spcBef>
+                <a:spcPct val="20000"/>
+              </a:spcBef>
+              <a:spcAft>
+                <a:spcPct val="0"/>
+              </a:spcAft>
+              <a:buFont typeface="Arial" panose="020B0604020202020204" pitchFamily="34" charset="0"/>
+              <a:buChar char="»"/>
+              <a:defRPr sz="2000">
+                <a:solidFill>
+                  <a:schemeClr val="tx1"/>
+                </a:solidFill>
+                <a:latin typeface="Calibri" panose="020F0502020204030204" pitchFamily="34" charset="0"/>
+              </a:defRPr>
+            </a:lvl6pPr>
+            <a:lvl7pPr marL="2971800" indent="-228600" eaLnBrk="0" fontAlgn="base" hangingPunct="0">
+              <a:spcBef>
+                <a:spcPct val="20000"/>
+              </a:spcBef>
+              <a:spcAft>
+                <a:spcPct val="0"/>
+              </a:spcAft>
+              <a:buFont typeface="Arial" panose="020B0604020202020204" pitchFamily="34" charset="0"/>
+              <a:buChar char="»"/>
+              <a:defRPr sz="2000">
+                <a:solidFill>
+                  <a:schemeClr val="tx1"/>
+                </a:solidFill>
+                <a:latin typeface="Calibri" panose="020F0502020204030204" pitchFamily="34" charset="0"/>
+              </a:defRPr>
+            </a:lvl7pPr>
+            <a:lvl8pPr marL="3429000" indent="-228600" eaLnBrk="0" fontAlgn="base" hangingPunct="0">
+              <a:spcBef>
+                <a:spcPct val="20000"/>
+              </a:spcBef>
+              <a:spcAft>
+                <a:spcPct val="0"/>
+              </a:spcAft>
+              <a:buFont typeface="Arial" panose="020B0604020202020204" pitchFamily="34" charset="0"/>
+              <a:buChar char="»"/>
+              <a:defRPr sz="2000">
+                <a:solidFill>
+                  <a:schemeClr val="tx1"/>
+                </a:solidFill>
+                <a:latin typeface="Calibri" panose="020F0502020204030204" pitchFamily="34" charset="0"/>
+              </a:defRPr>
+            </a:lvl8pPr>
+            <a:lvl9pPr marL="3886200" indent="-228600" eaLnBrk="0" fontAlgn="base" hangingPunct="0">
+              <a:spcBef>
+                <a:spcPct val="20000"/>
+              </a:spcBef>
+              <a:spcAft>
+                <a:spcPct val="0"/>
+              </a:spcAft>
+              <a:buFont typeface="Arial" panose="020B0604020202020204" pitchFamily="34" charset="0"/>
+              <a:buChar char="»"/>
+              <a:defRPr sz="2000">
+                <a:solidFill>
+                  <a:schemeClr val="tx1"/>
+                </a:solidFill>
+                <a:latin typeface="Calibri" panose="020F0502020204030204" pitchFamily="34" charset="0"/>
+              </a:defRPr>
+            </a:lvl9pPr>
+          </a:lstStyle>
+          <a:p>
+            <a:pPr>
+              <a:spcBef>
+                <a:spcPct val="0"/>
+              </a:spcBef>
+              <a:buFontTx/>
+              <a:buNone/>
+            </a:pPr>
+            <a:r>
+              <a:rPr lang="ru-RU" altLang="ru-RU" sz="1800" dirty="0">
+                <a:latin typeface="Arial" panose="020B0604020202020204" pitchFamily="34" charset="0"/>
+              </a:rPr>
+              <a:t>6</a:t>
+            </a:r>
+          </a:p>
+        </p:txBody>
+      </p:sp>
       <p:pic>
         <p:nvPicPr>
           <p:cNvPr id="6" name="Рисунок 5">
@@ -16584,7 +17587,7 @@
           <p:nvPr/>
         </p:nvPicPr>
         <p:blipFill>
-          <a:blip r:embed="rId3">
+          <a:blip r:embed="rId2">
             <a:extLst>
               <a:ext uri="{28A0092B-C50C-407E-A947-70E740481C1C}">
                 <a14:useLocalDpi xmlns:a14="http://schemas.microsoft.com/office/drawing/2010/main" val="0"/>
@@ -16598,8 +17601,8 @@
         </p:blipFill>
         <p:spPr>
           <a:xfrm>
-            <a:off x="338912" y="4842927"/>
-            <a:ext cx="6326664" cy="1408648"/>
+            <a:off x="291169" y="4221088"/>
+            <a:ext cx="9119531" cy="2030487"/>
           </a:xfrm>
           <a:prstGeom prst="rect">
             <a:avLst/>
@@ -16618,7 +17621,7 @@
 </p:sld>
 </file>
 
-<file path=ppt/slides/slide7.xml><?xml version="1.0" encoding="utf-8"?>
+<file path=ppt/slides/slide8.xml><?xml version="1.0" encoding="utf-8"?>
 <p:sld xmlns:a="http://schemas.openxmlformats.org/drawingml/2006/main" xmlns:r="http://schemas.openxmlformats.org/officeDocument/2006/relationships" xmlns:p="http://schemas.openxmlformats.org/presentationml/2006/main">
   <p:cSld>
     <p:spTree>
@@ -16864,7 +17867,7 @@
               <a:rPr lang="ru-RU" altLang="ru-RU" sz="1800" dirty="0">
                 <a:latin typeface="Arial" panose="020B0604020202020204" pitchFamily="34" charset="0"/>
               </a:rPr>
-              <a:t>6</a:t>
+              <a:t>7</a:t>
             </a:r>
           </a:p>
         </p:txBody>
@@ -16907,7 +17910,7 @@
 </p:sld>
 </file>
 
-<file path=ppt/slides/slide8.xml><?xml version="1.0" encoding="utf-8"?>
+<file path=ppt/slides/slide9.xml><?xml version="1.0" encoding="utf-8"?>
 <p:sld xmlns:a="http://schemas.openxmlformats.org/drawingml/2006/main" xmlns:r="http://schemas.openxmlformats.org/officeDocument/2006/relationships" xmlns:p="http://schemas.openxmlformats.org/presentationml/2006/main">
   <p:cSld>
     <p:spTree>
@@ -17153,7 +18156,7 @@
               <a:rPr lang="ru-RU" altLang="ru-RU" sz="1800" dirty="0">
                 <a:latin typeface="Arial" panose="020B0604020202020204" pitchFamily="34" charset="0"/>
               </a:rPr>
-              <a:t>7</a:t>
+              <a:t>8</a:t>
             </a:r>
           </a:p>
         </p:txBody>
@@ -17197,353 +18200,6 @@
           <a:ln>
             <a:noFill/>
           </a:ln>
-        </p:spPr>
-      </p:pic>
-    </p:spTree>
-  </p:cSld>
-  <p:clrMapOvr>
-    <a:masterClrMapping/>
-  </p:clrMapOvr>
-</p:sld>
-</file>
-
-<file path=ppt/slides/slide9.xml><?xml version="1.0" encoding="utf-8"?>
-<p:sld xmlns:a="http://schemas.openxmlformats.org/drawingml/2006/main" xmlns:r="http://schemas.openxmlformats.org/officeDocument/2006/relationships" xmlns:p="http://schemas.openxmlformats.org/presentationml/2006/main">
-  <p:cSld>
-    <p:spTree>
-      <p:nvGrpSpPr>
-        <p:cNvPr id="1" name=""/>
-        <p:cNvGrpSpPr/>
-        <p:nvPr/>
-      </p:nvGrpSpPr>
-      <p:grpSpPr>
-        <a:xfrm>
-          <a:off x="0" y="0"/>
-          <a:ext cx="0" cy="0"/>
-          <a:chOff x="0" y="0"/>
-          <a:chExt cx="0" cy="0"/>
-        </a:xfrm>
-      </p:grpSpPr>
-      <p:sp>
-        <p:nvSpPr>
-          <p:cNvPr id="2" name="Заголовок 1">
-            <a:extLst>
-              <a:ext uri="{FF2B5EF4-FFF2-40B4-BE49-F238E27FC236}">
-                <a16:creationId xmlns:a16="http://schemas.microsoft.com/office/drawing/2014/main" id="{C18E1BF8-1BBA-4854-82A4-AF52426148CA}"/>
-              </a:ext>
-            </a:extLst>
-          </p:cNvPr>
-          <p:cNvSpPr>
-            <a:spLocks noGrp="1"/>
-          </p:cNvSpPr>
-          <p:nvPr>
-            <p:ph type="title"/>
-          </p:nvPr>
-        </p:nvSpPr>
-        <p:spPr>
-          <a:xfrm>
-            <a:off x="495300" y="439738"/>
-            <a:ext cx="8915400" cy="560387"/>
-          </a:xfrm>
-        </p:spPr>
-        <p:txBody>
-          <a:bodyPr/>
-          <a:lstStyle/>
-          <a:p>
-            <a:pPr>
-              <a:defRPr/>
-            </a:pPr>
-            <a:r>
-              <a:rPr lang="ru-RU" dirty="0"/>
-              <a:t>Спроектированная БД</a:t>
-            </a:r>
-          </a:p>
-        </p:txBody>
-      </p:sp>
-      <p:sp>
-        <p:nvSpPr>
-          <p:cNvPr id="13317" name="TextBox 4">
-            <a:extLst>
-              <a:ext uri="{FF2B5EF4-FFF2-40B4-BE49-F238E27FC236}">
-                <a16:creationId xmlns:a16="http://schemas.microsoft.com/office/drawing/2014/main" id="{01732F01-3DA4-E55F-2D6A-79DA844330BB}"/>
-              </a:ext>
-            </a:extLst>
-          </p:cNvPr>
-          <p:cNvSpPr txBox="1">
-            <a:spLocks noChangeArrowheads="1"/>
-          </p:cNvSpPr>
-          <p:nvPr/>
-        </p:nvSpPr>
-        <p:spPr bwMode="auto">
-          <a:xfrm>
-            <a:off x="9253538" y="6251575"/>
-            <a:ext cx="312906" cy="369332"/>
-          </a:xfrm>
-          <a:prstGeom prst="rect">
-            <a:avLst/>
-          </a:prstGeom>
-          <a:noFill/>
-          <a:ln>
-            <a:noFill/>
-          </a:ln>
-          <a:extLst>
-            <a:ext uri="{909E8E84-426E-40DD-AFC4-6F175D3DCCD1}">
-              <a14:hiddenFill xmlns:a14="http://schemas.microsoft.com/office/drawing/2010/main">
-                <a:solidFill>
-                  <a:srgbClr val="FFFFFF"/>
-                </a:solidFill>
-              </a14:hiddenFill>
-            </a:ext>
-            <a:ext uri="{91240B29-F687-4F45-9708-019B960494DF}">
-              <a14:hiddenLine xmlns:a14="http://schemas.microsoft.com/office/drawing/2010/main" w="9525">
-                <a:solidFill>
-                  <a:srgbClr val="000000"/>
-                </a:solidFill>
-                <a:miter lim="800000"/>
-                <a:headEnd/>
-                <a:tailEnd/>
-              </a14:hiddenLine>
-            </a:ext>
-          </a:extLst>
-        </p:spPr>
-        <p:txBody>
-          <a:bodyPr wrap="none">
-            <a:spAutoFit/>
-          </a:bodyPr>
-          <a:lstStyle>
-            <a:lvl1pPr>
-              <a:spcBef>
-                <a:spcPct val="20000"/>
-              </a:spcBef>
-              <a:buFont typeface="Arial" panose="020B0604020202020204" pitchFamily="34" charset="0"/>
-              <a:buChar char="•"/>
-              <a:defRPr sz="3200">
-                <a:solidFill>
-                  <a:schemeClr val="tx1"/>
-                </a:solidFill>
-                <a:latin typeface="Calibri" panose="020F0502020204030204" pitchFamily="34" charset="0"/>
-              </a:defRPr>
-            </a:lvl1pPr>
-            <a:lvl2pPr marL="742950" indent="-285750">
-              <a:spcBef>
-                <a:spcPct val="20000"/>
-              </a:spcBef>
-              <a:buFont typeface="Arial" panose="020B0604020202020204" pitchFamily="34" charset="0"/>
-              <a:buChar char="–"/>
-              <a:defRPr sz="2800">
-                <a:solidFill>
-                  <a:schemeClr val="tx1"/>
-                </a:solidFill>
-                <a:latin typeface="Calibri" panose="020F0502020204030204" pitchFamily="34" charset="0"/>
-              </a:defRPr>
-            </a:lvl2pPr>
-            <a:lvl3pPr marL="1143000" indent="-228600">
-              <a:spcBef>
-                <a:spcPct val="20000"/>
-              </a:spcBef>
-              <a:buFont typeface="Arial" panose="020B0604020202020204" pitchFamily="34" charset="0"/>
-              <a:buChar char="•"/>
-              <a:defRPr sz="2400">
-                <a:solidFill>
-                  <a:schemeClr val="tx1"/>
-                </a:solidFill>
-                <a:latin typeface="Calibri" panose="020F0502020204030204" pitchFamily="34" charset="0"/>
-              </a:defRPr>
-            </a:lvl3pPr>
-            <a:lvl4pPr marL="1600200" indent="-228600">
-              <a:spcBef>
-                <a:spcPct val="20000"/>
-              </a:spcBef>
-              <a:buFont typeface="Arial" panose="020B0604020202020204" pitchFamily="34" charset="0"/>
-              <a:buChar char="–"/>
-              <a:defRPr sz="2000">
-                <a:solidFill>
-                  <a:schemeClr val="tx1"/>
-                </a:solidFill>
-                <a:latin typeface="Calibri" panose="020F0502020204030204" pitchFamily="34" charset="0"/>
-              </a:defRPr>
-            </a:lvl4pPr>
-            <a:lvl5pPr marL="2057400" indent="-228600">
-              <a:spcBef>
-                <a:spcPct val="20000"/>
-              </a:spcBef>
-              <a:buFont typeface="Arial" panose="020B0604020202020204" pitchFamily="34" charset="0"/>
-              <a:buChar char="»"/>
-              <a:defRPr sz="2000">
-                <a:solidFill>
-                  <a:schemeClr val="tx1"/>
-                </a:solidFill>
-                <a:latin typeface="Calibri" panose="020F0502020204030204" pitchFamily="34" charset="0"/>
-              </a:defRPr>
-            </a:lvl5pPr>
-            <a:lvl6pPr marL="2514600" indent="-228600" eaLnBrk="0" fontAlgn="base" hangingPunct="0">
-              <a:spcBef>
-                <a:spcPct val="20000"/>
-              </a:spcBef>
-              <a:spcAft>
-                <a:spcPct val="0"/>
-              </a:spcAft>
-              <a:buFont typeface="Arial" panose="020B0604020202020204" pitchFamily="34" charset="0"/>
-              <a:buChar char="»"/>
-              <a:defRPr sz="2000">
-                <a:solidFill>
-                  <a:schemeClr val="tx1"/>
-                </a:solidFill>
-                <a:latin typeface="Calibri" panose="020F0502020204030204" pitchFamily="34" charset="0"/>
-              </a:defRPr>
-            </a:lvl6pPr>
-            <a:lvl7pPr marL="2971800" indent="-228600" eaLnBrk="0" fontAlgn="base" hangingPunct="0">
-              <a:spcBef>
-                <a:spcPct val="20000"/>
-              </a:spcBef>
-              <a:spcAft>
-                <a:spcPct val="0"/>
-              </a:spcAft>
-              <a:buFont typeface="Arial" panose="020B0604020202020204" pitchFamily="34" charset="0"/>
-              <a:buChar char="»"/>
-              <a:defRPr sz="2000">
-                <a:solidFill>
-                  <a:schemeClr val="tx1"/>
-                </a:solidFill>
-                <a:latin typeface="Calibri" panose="020F0502020204030204" pitchFamily="34" charset="0"/>
-              </a:defRPr>
-            </a:lvl7pPr>
-            <a:lvl8pPr marL="3429000" indent="-228600" eaLnBrk="0" fontAlgn="base" hangingPunct="0">
-              <a:spcBef>
-                <a:spcPct val="20000"/>
-              </a:spcBef>
-              <a:spcAft>
-                <a:spcPct val="0"/>
-              </a:spcAft>
-              <a:buFont typeface="Arial" panose="020B0604020202020204" pitchFamily="34" charset="0"/>
-              <a:buChar char="»"/>
-              <a:defRPr sz="2000">
-                <a:solidFill>
-                  <a:schemeClr val="tx1"/>
-                </a:solidFill>
-                <a:latin typeface="Calibri" panose="020F0502020204030204" pitchFamily="34" charset="0"/>
-              </a:defRPr>
-            </a:lvl8pPr>
-            <a:lvl9pPr marL="3886200" indent="-228600" eaLnBrk="0" fontAlgn="base" hangingPunct="0">
-              <a:spcBef>
-                <a:spcPct val="20000"/>
-              </a:spcBef>
-              <a:spcAft>
-                <a:spcPct val="0"/>
-              </a:spcAft>
-              <a:buFont typeface="Arial" panose="020B0604020202020204" pitchFamily="34" charset="0"/>
-              <a:buChar char="»"/>
-              <a:defRPr sz="2000">
-                <a:solidFill>
-                  <a:schemeClr val="tx1"/>
-                </a:solidFill>
-                <a:latin typeface="Calibri" panose="020F0502020204030204" pitchFamily="34" charset="0"/>
-              </a:defRPr>
-            </a:lvl9pPr>
-          </a:lstStyle>
-          <a:p>
-            <a:pPr>
-              <a:spcBef>
-                <a:spcPct val="0"/>
-              </a:spcBef>
-              <a:buFontTx/>
-              <a:buNone/>
-            </a:pPr>
-            <a:r>
-              <a:rPr lang="ru-RU" altLang="ru-RU" sz="1800" dirty="0">
-                <a:latin typeface="Arial" panose="020B0604020202020204" pitchFamily="34" charset="0"/>
-              </a:rPr>
-              <a:t>8</a:t>
-            </a:r>
-          </a:p>
-        </p:txBody>
-      </p:sp>
-      <p:pic>
-        <p:nvPicPr>
-          <p:cNvPr id="6" name="Рисунок 5">
-            <a:extLst>
-              <a:ext uri="{FF2B5EF4-FFF2-40B4-BE49-F238E27FC236}">
-                <a16:creationId xmlns:a16="http://schemas.microsoft.com/office/drawing/2014/main" id="{E3F54E3E-46D4-EFDF-C186-53C4DFC69C2F}"/>
-              </a:ext>
-            </a:extLst>
-          </p:cNvPr>
-          <p:cNvPicPr>
-            <a:picLocks noChangeAspect="1"/>
-          </p:cNvPicPr>
-          <p:nvPr/>
-        </p:nvPicPr>
-        <p:blipFill>
-          <a:blip r:embed="rId2">
-            <a:extLst>
-              <a:ext uri="{28A0092B-C50C-407E-A947-70E740481C1C}">
-                <a14:useLocalDpi xmlns:a14="http://schemas.microsoft.com/office/drawing/2010/main" val="0"/>
-              </a:ext>
-            </a:extLst>
-          </a:blip>
-          <a:srcRect/>
-          <a:stretch>
-            <a:fillRect/>
-          </a:stretch>
-        </p:blipFill>
-        <p:spPr>
-          <a:xfrm>
-            <a:off x="1907455" y="1340768"/>
-            <a:ext cx="7343369" cy="3456004"/>
-          </a:xfrm>
-          <a:prstGeom prst="rect">
-            <a:avLst/>
-          </a:prstGeom>
-          <a:noFill/>
-          <a:ln>
-            <a:noFill/>
-          </a:ln>
-        </p:spPr>
-      </p:pic>
-      <p:pic>
-        <p:nvPicPr>
-          <p:cNvPr id="2050" name="Picture 2">
-            <a:extLst>
-              <a:ext uri="{FF2B5EF4-FFF2-40B4-BE49-F238E27FC236}">
-                <a16:creationId xmlns:a16="http://schemas.microsoft.com/office/drawing/2014/main" id="{46D84965-B9A1-9965-BAEA-82085EEDFCA2}"/>
-              </a:ext>
-            </a:extLst>
-          </p:cNvPr>
-          <p:cNvPicPr>
-            <a:picLocks noChangeAspect="1" noChangeArrowheads="1"/>
-          </p:cNvPicPr>
-          <p:nvPr/>
-        </p:nvPicPr>
-        <p:blipFill>
-          <a:blip r:embed="rId3">
-            <a:extLst>
-              <a:ext uri="{28A0092B-C50C-407E-A947-70E740481C1C}">
-                <a14:useLocalDpi xmlns:a14="http://schemas.microsoft.com/office/drawing/2010/main" val="0"/>
-              </a:ext>
-            </a:extLst>
-          </a:blip>
-          <a:srcRect/>
-          <a:stretch>
-            <a:fillRect/>
-          </a:stretch>
-        </p:blipFill>
-        <p:spPr bwMode="auto">
-          <a:xfrm>
-            <a:off x="272480" y="4735055"/>
-            <a:ext cx="1914916" cy="2129327"/>
-          </a:xfrm>
-          <a:prstGeom prst="rect">
-            <a:avLst/>
-          </a:prstGeom>
-          <a:noFill/>
-          <a:extLst>
-            <a:ext uri="{909E8E84-426E-40DD-AFC4-6F175D3DCCD1}">
-              <a14:hiddenFill xmlns:a14="http://schemas.microsoft.com/office/drawing/2010/main">
-                <a:solidFill>
-                  <a:srgbClr val="FFFFFF"/>
-                </a:solidFill>
-              </a14:hiddenFill>
-            </a:ext>
-          </a:extLst>
         </p:spPr>
       </p:pic>
     </p:spTree>
